--- a/PPT FWD TNSDC 2025.pptx
+++ b/PPT FWD TNSDC 2025.pptx
@@ -2,23 +2,24 @@
 <file path=ppt/presentation.xml><?xml version="1.0" encoding="utf-8"?>
 <p:presentation xmlns:p="http://schemas.openxmlformats.org/presentationml/2006/main" xmlns:r="http://schemas.openxmlformats.org/officeDocument/2006/relationships" xmlns:a="http://schemas.openxmlformats.org/drawingml/2006/main">
   <p:sldMasterIdLst>
-    <p:sldMasterId id="2147483660" r:id="rId1"/>
+    <p:sldMasterId id="2147483654" r:id="rId1"/>
   </p:sldMasterIdLst>
   <p:notesMasterIdLst>
     <p:notesMasterId r:id="rId2"/>
   </p:notesMasterIdLst>
   <p:sldIdLst>
-    <p:sldId id="283" r:id="rId3"/>
-    <p:sldId id="284" r:id="rId4"/>
-    <p:sldId id="285" r:id="rId5"/>
-    <p:sldId id="286" r:id="rId6"/>
-    <p:sldId id="287" r:id="rId7"/>
-    <p:sldId id="288" r:id="rId8"/>
-    <p:sldId id="289" r:id="rId9"/>
-    <p:sldId id="290" r:id="rId10"/>
-    <p:sldId id="291" r:id="rId11"/>
-    <p:sldId id="292" r:id="rId12"/>
-    <p:sldId id="294" r:id="rId13"/>
+    <p:sldId id="270" r:id="rId3"/>
+    <p:sldId id="271" r:id="rId4"/>
+    <p:sldId id="272" r:id="rId5"/>
+    <p:sldId id="273" r:id="rId6"/>
+    <p:sldId id="274" r:id="rId7"/>
+    <p:sldId id="275" r:id="rId8"/>
+    <p:sldId id="276" r:id="rId9"/>
+    <p:sldId id="277" r:id="rId10"/>
+    <p:sldId id="278" r:id="rId11"/>
+    <p:sldId id="279" r:id="rId12"/>
+    <p:sldId id="280" r:id="rId13"/>
+    <p:sldId id="282" r:id="rId14"/>
   </p:sldIdLst>
   <p:sldSz type="screen16x9" cy="6858000" cx="12192000"/>
   <p:notesSz cx="12192000" cy="6858000"/>
@@ -456,7 +457,7 @@
   <p:cSld>
     <p:spTree>
       <p:nvGrpSpPr>
-        <p:cNvPr id="22" name=""/>
+        <p:cNvPr id="36" name=""/>
         <p:cNvGrpSpPr/>
         <p:nvPr/>
       </p:nvGrpSpPr>
@@ -470,7 +471,7 @@
       </p:grpSpPr>
       <p:sp>
         <p:nvSpPr>
-          <p:cNvPr id="1048603" name="Slide Image Placeholder 1"/>
+          <p:cNvPr id="1048664" name="Slide Image Placeholder 1"/>
           <p:cNvSpPr>
             <a:spLocks noChangeAspect="1" noRot="1" noGrp="1"/>
           </p:cNvSpPr>
@@ -482,7 +483,7 @@
       </p:sp>
       <p:sp>
         <p:nvSpPr>
-          <p:cNvPr id="1048604" name="Notes Placeholder 2"/>
+          <p:cNvPr id="1048665" name="Notes Placeholder 2"/>
           <p:cNvSpPr>
             <a:spLocks noGrp="1"/>
           </p:cNvSpPr>
@@ -500,7 +501,7 @@
       </p:sp>
       <p:sp>
         <p:nvSpPr>
-          <p:cNvPr id="1048605" name="Slide Number Placeholder 3"/>
+          <p:cNvPr id="1048666" name="Slide Number Placeholder 3"/>
           <p:cNvSpPr>
             <a:spLocks noGrp="1"/>
           </p:cNvSpPr>
@@ -533,7 +534,7 @@
   <p:cSld name="Title Slide">
     <p:spTree>
       <p:nvGrpSpPr>
-        <p:cNvPr id="18" name=""/>
+        <p:cNvPr id="32" name=""/>
         <p:cNvGrpSpPr/>
         <p:nvPr/>
       </p:nvGrpSpPr>
@@ -547,7 +548,7 @@
       </p:grpSpPr>
       <p:sp>
         <p:nvSpPr>
-          <p:cNvPr id="1048591" name="Holder 2"/>
+          <p:cNvPr id="1048652" name="Holder 2"/>
           <p:cNvSpPr>
             <a:spLocks noGrp="1"/>
           </p:cNvSpPr>
@@ -558,7 +559,7 @@
         <p:spPr>
           <a:xfrm>
             <a:off x="3195574" y="2067305"/>
-            <a:ext cx="5800851" cy="518160"/>
+            <a:ext cx="5800851" cy="482600"/>
           </a:xfrm>
           <a:prstGeom prst="rect"/>
         </p:spPr>
@@ -582,7 +583,7 @@
       </p:sp>
       <p:sp>
         <p:nvSpPr>
-          <p:cNvPr id="1048592" name="Holder 3"/>
+          <p:cNvPr id="1048653" name="Holder 3"/>
           <p:cNvSpPr>
             <a:spLocks noGrp="1"/>
           </p:cNvSpPr>
@@ -593,7 +594,7 @@
         <p:spPr>
           <a:xfrm>
             <a:off x="1828800" y="3840480"/>
-            <a:ext cx="8534400" cy="1714500"/>
+            <a:ext cx="8534400" cy="266700"/>
           </a:xfrm>
           <a:prstGeom prst="rect"/>
         </p:spPr>
@@ -606,7 +607,7 @@
       </p:sp>
       <p:sp>
         <p:nvSpPr>
-          <p:cNvPr id="1048593" name="Holder 4"/>
+          <p:cNvPr id="1048654" name="Holder 4"/>
           <p:cNvSpPr>
             <a:spLocks noGrp="1"/>
           </p:cNvSpPr>
@@ -633,7 +634,7 @@
       </p:sp>
       <p:sp>
         <p:nvSpPr>
-          <p:cNvPr id="1048594" name="Holder 5"/>
+          <p:cNvPr id="1048655" name="Holder 5"/>
           <p:cNvSpPr>
             <a:spLocks noGrp="1"/>
           </p:cNvSpPr>
@@ -666,7 +667,7 @@
       </p:sp>
       <p:sp>
         <p:nvSpPr>
-          <p:cNvPr id="1048595" name="Holder 6"/>
+          <p:cNvPr id="1048656" name="Holder 6"/>
           <p:cNvSpPr>
             <a:spLocks noGrp="1"/>
           </p:cNvSpPr>
@@ -740,7 +741,12 @@
             <p:ph type="title"/>
           </p:nvPr>
         </p:nvSpPr>
-        <p:spPr/>
+        <p:spPr>
+          <a:xfrm>
+            <a:off x="755332" y="385444"/>
+            <a:ext cx="10681335" cy="723901"/>
+          </a:xfrm>
+        </p:spPr>
         <p:txBody>
           <a:bodyPr bIns="0" lIns="0" rIns="0" tIns="0"/>
           <a:lstStyle>
@@ -767,7 +773,12 @@
             <p:ph type="body" idx="1"/>
           </p:nvPr>
         </p:nvSpPr>
-        <p:spPr/>
+        <p:spPr>
+          <a:xfrm>
+            <a:off x="609600" y="1577340"/>
+            <a:ext cx="10972800" cy="266700"/>
+          </a:xfrm>
+        </p:spPr>
         <p:txBody>
           <a:bodyPr bIns="0" lIns="0" rIns="0" tIns="0"/>
           <a:p/>
@@ -909,7 +920,12 @@
             <p:ph type="title"/>
           </p:nvPr>
         </p:nvSpPr>
-        <p:spPr/>
+        <p:spPr>
+          <a:xfrm>
+            <a:off x="755332" y="385444"/>
+            <a:ext cx="10681335" cy="723901"/>
+          </a:xfrm>
+        </p:spPr>
         <p:txBody>
           <a:bodyPr bIns="0" lIns="0" rIns="0" tIns="0"/>
           <a:lstStyle>
@@ -939,7 +955,7 @@
         <p:spPr>
           <a:xfrm>
             <a:off x="609600" y="1577340"/>
-            <a:ext cx="5303520" cy="4526280"/>
+            <a:ext cx="5303520" cy="266700"/>
           </a:xfrm>
           <a:prstGeom prst="rect"/>
         </p:spPr>
@@ -963,7 +979,7 @@
         <p:spPr>
           <a:xfrm>
             <a:off x="6278880" y="1577340"/>
-            <a:ext cx="5303520" cy="4526280"/>
+            <a:ext cx="5303520" cy="266700"/>
           </a:xfrm>
           <a:prstGeom prst="rect"/>
         </p:spPr>
@@ -1088,7 +1104,7 @@
   <p:cSld name="Title Only">
     <p:spTree>
       <p:nvGrpSpPr>
-        <p:cNvPr id="24" name=""/>
+        <p:cNvPr id="18" name=""/>
         <p:cNvGrpSpPr/>
         <p:nvPr/>
       </p:nvGrpSpPr>
@@ -1102,7 +1118,7 @@
       </p:grpSpPr>
       <p:sp>
         <p:nvSpPr>
-          <p:cNvPr id="1048606" name="Holder 2"/>
+          <p:cNvPr id="1048591" name="Holder 2"/>
           <p:cNvSpPr>
             <a:spLocks noGrp="1"/>
           </p:cNvSpPr>
@@ -1110,7 +1126,12 @@
             <p:ph type="title"/>
           </p:nvPr>
         </p:nvSpPr>
-        <p:spPr/>
+        <p:spPr>
+          <a:xfrm>
+            <a:off x="755332" y="385444"/>
+            <a:ext cx="10681335" cy="723901"/>
+          </a:xfrm>
+        </p:spPr>
         <p:txBody>
           <a:bodyPr bIns="0" lIns="0" rIns="0" tIns="0"/>
           <a:lstStyle>
@@ -1129,7 +1150,7 @@
       </p:sp>
       <p:sp>
         <p:nvSpPr>
-          <p:cNvPr id="1048607" name="Holder 3"/>
+          <p:cNvPr id="1048592" name="Holder 3"/>
           <p:cNvSpPr>
             <a:spLocks noGrp="1"/>
           </p:cNvSpPr>
@@ -1156,7 +1177,7 @@
       </p:sp>
       <p:sp>
         <p:nvSpPr>
-          <p:cNvPr id="1048608" name="Holder 4"/>
+          <p:cNvPr id="1048593" name="Holder 4"/>
           <p:cNvSpPr>
             <a:spLocks noGrp="1"/>
           </p:cNvSpPr>
@@ -1189,7 +1210,7 @@
       </p:sp>
       <p:sp>
         <p:nvSpPr>
-          <p:cNvPr id="1048609" name="Holder 5"/>
+          <p:cNvPr id="1048594" name="Holder 5"/>
           <p:cNvSpPr>
             <a:spLocks noGrp="1"/>
           </p:cNvSpPr>
@@ -2016,11 +2037,11 @@
   </p:cSld>
   <p:clrMap accent1="accent1" accent2="accent2" accent3="accent3" accent4="accent4" accent5="accent5" accent6="accent6" bg1="lt1" bg2="lt2" tx1="dk1" tx2="dk2" hlink="hlink" folHlink="folHlink"/>
   <p:sldLayoutIdLst>
-    <p:sldLayoutId id="2147483661" r:id="rId1"/>
-    <p:sldLayoutId id="2147483662" r:id="rId2"/>
-    <p:sldLayoutId id="2147483663" r:id="rId3"/>
-    <p:sldLayoutId id="2147483664" r:id="rId4"/>
-    <p:sldLayoutId id="2147483665" r:id="rId5"/>
+    <p:sldLayoutId id="2147483655" r:id="rId1"/>
+    <p:sldLayoutId id="2147483656" r:id="rId2"/>
+    <p:sldLayoutId id="2147483657" r:id="rId3"/>
+    <p:sldLayoutId id="2147483658" r:id="rId4"/>
+    <p:sldLayoutId id="2147483659" r:id="rId5"/>
   </p:sldLayoutIdLst>
   <p:txStyles>
     <p:titleStyle>
@@ -2171,7 +2192,7 @@
   <p:cSld>
     <p:spTree>
       <p:nvGrpSpPr>
-        <p:cNvPr id="19" name=""/>
+        <p:cNvPr id="33" name=""/>
         <p:cNvGrpSpPr/>
         <p:nvPr/>
       </p:nvGrpSpPr>
@@ -2185,7 +2206,7 @@
       </p:grpSpPr>
       <p:grpSp>
         <p:nvGrpSpPr>
-          <p:cNvPr id="20" name="object 2"/>
+          <p:cNvPr id="34" name="object 2"/>
           <p:cNvGrpSpPr/>
           <p:nvPr/>
         </p:nvGrpSpPr>
@@ -2199,7 +2220,7 @@
         </p:grpSpPr>
         <p:sp>
           <p:nvSpPr>
-            <p:cNvPr id="1048596" name="object 3"/>
+            <p:cNvPr id="1048657" name="object 3"/>
             <p:cNvSpPr/>
             <p:nvPr/>
           </p:nvSpPr>
@@ -2250,7 +2271,7 @@
         </p:sp>
         <p:sp>
           <p:nvSpPr>
-            <p:cNvPr id="1048597" name="object 4"/>
+            <p:cNvPr id="1048658" name="object 4"/>
             <p:cNvSpPr/>
             <p:nvPr/>
           </p:nvSpPr>
@@ -2302,7 +2323,7 @@
       </p:grpSp>
       <p:sp>
         <p:nvSpPr>
-          <p:cNvPr id="1048598" name="object 5"/>
+          <p:cNvPr id="1048659" name="object 5"/>
           <p:cNvSpPr/>
           <p:nvPr/>
         </p:nvSpPr>
@@ -2353,7 +2374,7 @@
       </p:sp>
       <p:sp>
         <p:nvSpPr>
-          <p:cNvPr id="1048599" name="object 6"/>
+          <p:cNvPr id="1048660" name="object 6"/>
           <p:cNvSpPr/>
           <p:nvPr/>
         </p:nvSpPr>
@@ -2404,7 +2425,7 @@
       </p:sp>
       <p:sp>
         <p:nvSpPr>
-          <p:cNvPr id="1048600" name="object 7"/>
+          <p:cNvPr id="1048661" name="object 7"/>
           <p:cNvSpPr txBox="1">
             <a:spLocks noGrp="1"/>
           </p:cNvSpPr>
@@ -2455,7 +2476,7 @@
       </p:sp>
       <p:pic>
         <p:nvPicPr>
-          <p:cNvPr id="2097152" name="object 9"/>
+          <p:cNvPr id="2097164" name="object 9"/>
           <p:cNvPicPr>
             <a:picLocks/>
           </p:cNvPicPr>
@@ -2477,7 +2498,7 @@
       </p:pic>
       <p:sp>
         <p:nvSpPr>
-          <p:cNvPr id="1048601" name="object 11"/>
+          <p:cNvPr id="1048662" name="object 11"/>
           <p:cNvSpPr txBox="1">
             <a:spLocks noGrp="1"/>
           </p:cNvSpPr>
@@ -2511,7 +2532,7 @@
       </p:sp>
       <p:sp>
         <p:nvSpPr>
-          <p:cNvPr id="1048602" name="TextBox 13"/>
+          <p:cNvPr id="1048663" name="TextBox 13"/>
           <p:cNvSpPr txBox="1"/>
           <p:nvPr/>
         </p:nvSpPr>
@@ -3543,12 +3564,12 @@
 </p:sld>
 </file>
 
-<file path=ppt/slides/slide2.xml><?xml version="1.0" encoding="utf-8"?>
-<p:sld xmlns:a="http://schemas.openxmlformats.org/drawingml/2006/main" xmlns:r="http://schemas.openxmlformats.org/officeDocument/2006/relationships" xmlns:p="http://schemas.openxmlformats.org/presentationml/2006/main" showMasterSp="0">
+<file path=ppt/slides/slide12.xml><?xml version="1.0" encoding="utf-8"?>
+<p:sld xmlns:a="http://schemas.openxmlformats.org/drawingml/2006/main" xmlns:r="http://schemas.openxmlformats.org/officeDocument/2006/relationships" xmlns:p="http://schemas.openxmlformats.org/presentationml/2006/main">
   <p:cSld>
     <p:spTree>
       <p:nvGrpSpPr>
-        <p:cNvPr id="25" name=""/>
+        <p:cNvPr id="45" name=""/>
         <p:cNvGrpSpPr/>
         <p:nvPr/>
       </p:nvGrpSpPr>
@@ -3562,7 +3583,100 @@
       </p:grpSpPr>
       <p:sp>
         <p:nvSpPr>
-          <p:cNvPr id="1048610" name="object 2"/>
+          <p:cNvPr id="1048706" name=""/>
+          <p:cNvSpPr txBox="1"/>
+          <p:nvPr/>
+        </p:nvSpPr>
+        <p:spPr>
+          <a:xfrm>
+            <a:off x="1004641" y="736943"/>
+            <a:ext cx="4572000" cy="993140"/>
+          </a:xfrm>
+          <a:prstGeom prst="rect"/>
+        </p:spPr>
+        <p:txBody>
+          <a:bodyPr rtlCol="0" wrap="square">
+            <a:spAutoFit/>
+          </a:bodyPr>
+          <a:p>
+            <a:r>
+              <a:rPr sz="6000" lang="en-US">
+                <a:solidFill>
+                  <a:srgbClr val="000000"/>
+                </a:solidFill>
+              </a:rPr>
+              <a:t>GitHub link</a:t>
+            </a:r>
+            <a:endParaRPr sz="2800" lang="en-US">
+              <a:solidFill>
+                <a:srgbClr val="000000"/>
+              </a:solidFill>
+            </a:endParaRPr>
+          </a:p>
+        </p:txBody>
+      </p:sp>
+      <p:sp>
+        <p:nvSpPr>
+          <p:cNvPr id="1048709" name=""/>
+          <p:cNvSpPr txBox="1"/>
+          <p:nvPr/>
+        </p:nvSpPr>
+        <p:spPr>
+          <a:xfrm>
+            <a:off x="1023891" y="3251200"/>
+            <a:ext cx="9797041" cy="510540"/>
+          </a:xfrm>
+          <a:prstGeom prst="rect"/>
+        </p:spPr>
+        <p:txBody>
+          <a:bodyPr rtlCol="0" wrap="square">
+            <a:spAutoFit/>
+          </a:bodyPr>
+          <a:p>
+            <a:r>
+              <a:rPr sz="2800" lang="en-US">
+                <a:solidFill>
+                  <a:srgbClr val="000000"/>
+                </a:solidFill>
+              </a:rPr>
+              <a:t>https://github.com/24csnm48-stack/Naan-mudhalvan.git</a:t>
+            </a:r>
+            <a:endParaRPr sz="2800" lang="en-US">
+              <a:solidFill>
+                <a:srgbClr val="000000"/>
+              </a:solidFill>
+            </a:endParaRPr>
+          </a:p>
+        </p:txBody>
+      </p:sp>
+    </p:spTree>
+  </p:cSld>
+  <p:clrMapOvr>
+    <a:masterClrMapping/>
+  </p:clrMapOvr>
+</p:sld>
+</file>
+
+<file path=ppt/slides/slide2.xml><?xml version="1.0" encoding="utf-8"?>
+<p:sld xmlns:a="http://schemas.openxmlformats.org/drawingml/2006/main" xmlns:r="http://schemas.openxmlformats.org/officeDocument/2006/relationships" xmlns:p="http://schemas.openxmlformats.org/presentationml/2006/main" showMasterSp="0">
+  <p:cSld>
+    <p:spTree>
+      <p:nvGrpSpPr>
+        <p:cNvPr id="28" name=""/>
+        <p:cNvGrpSpPr/>
+        <p:nvPr/>
+      </p:nvGrpSpPr>
+      <p:grpSpPr>
+        <a:xfrm>
+          <a:off x="0" y="0"/>
+          <a:ext cx="0" cy="0"/>
+          <a:chOff x="0" y="0"/>
+          <a:chExt cx="0" cy="0"/>
+        </a:xfrm>
+      </p:grpSpPr>
+      <p:sp>
+        <p:nvSpPr>
+          <p:cNvPr id="1048630" name="object 2"/>
           <p:cNvSpPr/>
           <p:nvPr/>
         </p:nvSpPr>
@@ -3833,7 +3947,7 @@
       </p:sp>
       <p:grpSp>
         <p:nvGrpSpPr>
-          <p:cNvPr id="26" name="object 3"/>
+          <p:cNvPr id="29" name="object 3"/>
           <p:cNvGrpSpPr/>
           <p:nvPr/>
         </p:nvGrpSpPr>
@@ -3847,7 +3961,7 @@
         </p:grpSpPr>
         <p:sp>
           <p:nvSpPr>
-            <p:cNvPr id="1048611" name="object 4"/>
+            <p:cNvPr id="1048631" name="object 4"/>
             <p:cNvSpPr/>
             <p:nvPr/>
           </p:nvSpPr>
@@ -3884,7 +3998,7 @@
         </p:sp>
         <p:sp>
           <p:nvSpPr>
-            <p:cNvPr id="1048612" name="object 5"/>
+            <p:cNvPr id="1048632" name="object 5"/>
             <p:cNvSpPr/>
             <p:nvPr/>
           </p:nvSpPr>
@@ -3921,7 +4035,7 @@
         </p:sp>
         <p:sp>
           <p:nvSpPr>
-            <p:cNvPr id="1048613" name="object 6"/>
+            <p:cNvPr id="1048633" name="object 6"/>
             <p:cNvSpPr/>
             <p:nvPr/>
           </p:nvSpPr>
@@ -3968,7 +4082,7 @@
         </p:sp>
         <p:sp>
           <p:nvSpPr>
-            <p:cNvPr id="1048614" name="object 7"/>
+            <p:cNvPr id="1048634" name="object 7"/>
             <p:cNvSpPr/>
             <p:nvPr/>
           </p:nvSpPr>
@@ -4015,7 +4129,7 @@
         </p:sp>
         <p:sp>
           <p:nvSpPr>
-            <p:cNvPr id="1048615" name="object 8"/>
+            <p:cNvPr id="1048635" name="object 8"/>
             <p:cNvSpPr/>
             <p:nvPr/>
           </p:nvSpPr>
@@ -4059,7 +4173,7 @@
         </p:sp>
         <p:sp>
           <p:nvSpPr>
-            <p:cNvPr id="1048616" name="object 9"/>
+            <p:cNvPr id="1048636" name="object 9"/>
             <p:cNvSpPr/>
             <p:nvPr/>
           </p:nvSpPr>
@@ -4106,7 +4220,7 @@
         </p:sp>
         <p:sp>
           <p:nvSpPr>
-            <p:cNvPr id="1048617" name="object 10"/>
+            <p:cNvPr id="1048637" name="object 10"/>
             <p:cNvSpPr/>
             <p:nvPr/>
           </p:nvSpPr>
@@ -4153,7 +4267,7 @@
         </p:sp>
         <p:sp>
           <p:nvSpPr>
-            <p:cNvPr id="1048618" name="object 11"/>
+            <p:cNvPr id="1048638" name="object 11"/>
             <p:cNvSpPr/>
             <p:nvPr/>
           </p:nvSpPr>
@@ -4200,7 +4314,7 @@
         </p:sp>
         <p:sp>
           <p:nvSpPr>
-            <p:cNvPr id="1048619" name="object 12"/>
+            <p:cNvPr id="1048639" name="object 12"/>
             <p:cNvSpPr/>
             <p:nvPr/>
           </p:nvSpPr>
@@ -4245,7 +4359,7 @@
       </p:grpSp>
       <p:sp>
         <p:nvSpPr>
-          <p:cNvPr id="1048620" name="object 13"/>
+          <p:cNvPr id="1048640" name="object 13"/>
           <p:cNvSpPr/>
           <p:nvPr/>
         </p:nvSpPr>
@@ -4289,7 +4403,7 @@
       </p:sp>
       <p:sp>
         <p:nvSpPr>
-          <p:cNvPr id="1048621" name="object 14"/>
+          <p:cNvPr id="1048641" name="object 14"/>
           <p:cNvSpPr/>
           <p:nvPr/>
         </p:nvSpPr>
@@ -4334,7 +4448,7 @@
       </p:sp>
       <p:sp>
         <p:nvSpPr>
-          <p:cNvPr id="1048622" name="object 15"/>
+          <p:cNvPr id="1048642" name="object 15"/>
           <p:cNvSpPr/>
           <p:nvPr/>
         </p:nvSpPr>
@@ -4379,7 +4493,7 @@
       </p:sp>
       <p:sp>
         <p:nvSpPr>
-          <p:cNvPr id="1048623" name="object 16"/>
+          <p:cNvPr id="1048643" name="object 16"/>
           <p:cNvSpPr/>
           <p:nvPr/>
         </p:nvSpPr>
@@ -4424,7 +4538,7 @@
       </p:sp>
       <p:sp>
         <p:nvSpPr>
-          <p:cNvPr id="1048624" name="object 17"/>
+          <p:cNvPr id="1048644" name="object 17"/>
           <p:cNvSpPr txBox="1">
             <a:spLocks noGrp="1"/>
           </p:cNvSpPr>
@@ -4470,7 +4584,7 @@
       </p:sp>
       <p:grpSp>
         <p:nvGrpSpPr>
-          <p:cNvPr id="27" name="object 18"/>
+          <p:cNvPr id="30" name="object 18"/>
           <p:cNvGrpSpPr/>
           <p:nvPr/>
         </p:nvGrpSpPr>
@@ -4484,7 +4598,7 @@
         </p:grpSpPr>
         <p:pic>
           <p:nvPicPr>
-            <p:cNvPr id="2097153" name="object 19"/>
+            <p:cNvPr id="2097160" name="object 19"/>
             <p:cNvPicPr>
               <a:picLocks/>
             </p:cNvPicPr>
@@ -4506,7 +4620,7 @@
         </p:pic>
         <p:pic>
           <p:nvPicPr>
-            <p:cNvPr id="2097154" name="object 20"/>
+            <p:cNvPr id="2097161" name="object 20"/>
             <p:cNvPicPr>
               <a:picLocks/>
             </p:cNvPicPr>
@@ -4529,7 +4643,7 @@
       </p:grpSp>
       <p:sp>
         <p:nvSpPr>
-          <p:cNvPr id="1048625" name="object 22"/>
+          <p:cNvPr id="1048645" name="object 22"/>
           <p:cNvSpPr txBox="1">
             <a:spLocks noGrp="1"/>
           </p:cNvSpPr>
@@ -4574,7 +4688,7 @@
   <p:cSld>
     <p:spTree>
       <p:nvGrpSpPr>
-        <p:cNvPr id="28" name=""/>
+        <p:cNvPr id="24" name=""/>
         <p:cNvGrpSpPr/>
         <p:nvPr/>
       </p:nvGrpSpPr>
@@ -4588,7 +4702,7 @@
       </p:grpSpPr>
       <p:sp>
         <p:nvSpPr>
-          <p:cNvPr id="1048626" name="object 2"/>
+          <p:cNvPr id="1048607" name="object 2"/>
           <p:cNvSpPr/>
           <p:nvPr/>
         </p:nvSpPr>
@@ -4635,7 +4749,7 @@
       </p:sp>
       <p:grpSp>
         <p:nvGrpSpPr>
-          <p:cNvPr id="29" name="object 3"/>
+          <p:cNvPr id="25" name="object 3"/>
           <p:cNvGrpSpPr/>
           <p:nvPr/>
         </p:nvGrpSpPr>
@@ -4649,7 +4763,7 @@
         </p:grpSpPr>
         <p:sp>
           <p:nvSpPr>
-            <p:cNvPr id="1048627" name="object 4"/>
+            <p:cNvPr id="1048608" name="object 4"/>
             <p:cNvSpPr/>
             <p:nvPr/>
           </p:nvSpPr>
@@ -4686,7 +4800,7 @@
         </p:sp>
         <p:sp>
           <p:nvSpPr>
-            <p:cNvPr id="1048628" name="object 5"/>
+            <p:cNvPr id="1048609" name="object 5"/>
             <p:cNvSpPr/>
             <p:nvPr/>
           </p:nvSpPr>
@@ -4723,7 +4837,7 @@
         </p:sp>
         <p:sp>
           <p:nvSpPr>
-            <p:cNvPr id="1048629" name="object 6"/>
+            <p:cNvPr id="1048610" name="object 6"/>
             <p:cNvSpPr/>
             <p:nvPr/>
           </p:nvSpPr>
@@ -4770,7 +4884,7 @@
         </p:sp>
         <p:sp>
           <p:nvSpPr>
-            <p:cNvPr id="1048630" name="object 7"/>
+            <p:cNvPr id="1048611" name="object 7"/>
             <p:cNvSpPr/>
             <p:nvPr/>
           </p:nvSpPr>
@@ -4817,7 +4931,7 @@
         </p:sp>
         <p:sp>
           <p:nvSpPr>
-            <p:cNvPr id="1048631" name="object 8"/>
+            <p:cNvPr id="1048612" name="object 8"/>
             <p:cNvSpPr/>
             <p:nvPr/>
           </p:nvSpPr>
@@ -4861,7 +4975,7 @@
         </p:sp>
         <p:sp>
           <p:nvSpPr>
-            <p:cNvPr id="1048632" name="object 9"/>
+            <p:cNvPr id="1048613" name="object 9"/>
             <p:cNvSpPr/>
             <p:nvPr/>
           </p:nvSpPr>
@@ -4908,7 +5022,7 @@
         </p:sp>
         <p:sp>
           <p:nvSpPr>
-            <p:cNvPr id="1048633" name="object 10"/>
+            <p:cNvPr id="1048614" name="object 10"/>
             <p:cNvSpPr/>
             <p:nvPr/>
           </p:nvSpPr>
@@ -4955,7 +5069,7 @@
         </p:sp>
         <p:sp>
           <p:nvSpPr>
-            <p:cNvPr id="1048634" name="object 11"/>
+            <p:cNvPr id="1048615" name="object 11"/>
             <p:cNvSpPr/>
             <p:nvPr/>
           </p:nvSpPr>
@@ -5002,7 +5116,7 @@
         </p:sp>
         <p:sp>
           <p:nvSpPr>
-            <p:cNvPr id="1048635" name="object 12"/>
+            <p:cNvPr id="1048616" name="object 12"/>
             <p:cNvSpPr/>
             <p:nvPr/>
           </p:nvSpPr>
@@ -5047,7 +5161,7 @@
       </p:grpSp>
       <p:sp>
         <p:nvSpPr>
-          <p:cNvPr id="1048636" name="object 13"/>
+          <p:cNvPr id="1048617" name="object 13"/>
           <p:cNvSpPr/>
           <p:nvPr/>
         </p:nvSpPr>
@@ -5091,7 +5205,7 @@
       </p:sp>
       <p:sp>
         <p:nvSpPr>
-          <p:cNvPr id="1048637" name="object 14"/>
+          <p:cNvPr id="1048618" name="object 14"/>
           <p:cNvSpPr txBox="1"/>
           <p:nvPr/>
         </p:nvSpPr>
@@ -5261,7 +5375,7 @@
       </p:sp>
       <p:sp>
         <p:nvSpPr>
-          <p:cNvPr id="1048638" name="object 15"/>
+          <p:cNvPr id="1048619" name="object 15"/>
           <p:cNvSpPr/>
           <p:nvPr/>
         </p:nvSpPr>
@@ -5366,7 +5480,7 @@
       </p:sp>
       <p:sp>
         <p:nvSpPr>
-          <p:cNvPr id="1048639" name="object 16"/>
+          <p:cNvPr id="1048620" name="object 16"/>
           <p:cNvSpPr/>
           <p:nvPr/>
         </p:nvSpPr>
@@ -5531,7 +5645,7 @@
       </p:sp>
       <p:pic>
         <p:nvPicPr>
-          <p:cNvPr id="2097155" name="object 17"/>
+          <p:cNvPr id="2097156" name="object 17"/>
           <p:cNvPicPr>
             <a:picLocks/>
           </p:cNvPicPr>
@@ -5553,7 +5667,7 @@
       </p:pic>
       <p:grpSp>
         <p:nvGrpSpPr>
-          <p:cNvPr id="30" name="object 18"/>
+          <p:cNvPr id="26" name="object 18"/>
           <p:cNvGrpSpPr/>
           <p:nvPr/>
         </p:nvGrpSpPr>
@@ -5567,7 +5681,7 @@
         </p:grpSpPr>
         <p:pic>
           <p:nvPicPr>
-            <p:cNvPr id="2097156" name="object 19"/>
+            <p:cNvPr id="2097157" name="object 19"/>
             <p:cNvPicPr>
               <a:picLocks/>
             </p:cNvPicPr>
@@ -5589,7 +5703,7 @@
         </p:pic>
         <p:pic>
           <p:nvPicPr>
-            <p:cNvPr id="2097157" name="object 20"/>
+            <p:cNvPr id="2097158" name="object 20"/>
             <p:cNvPicPr>
               <a:picLocks/>
             </p:cNvPicPr>
@@ -5612,7 +5726,7 @@
       </p:grpSp>
       <p:sp>
         <p:nvSpPr>
-          <p:cNvPr id="1048640" name="object 21"/>
+          <p:cNvPr id="1048621" name="object 21"/>
           <p:cNvSpPr txBox="1">
             <a:spLocks noGrp="1"/>
           </p:cNvSpPr>
@@ -5665,7 +5779,7 @@
       </p:sp>
       <p:sp>
         <p:nvSpPr>
-          <p:cNvPr id="1048641" name="object 22"/>
+          <p:cNvPr id="1048622" name="object 22"/>
           <p:cNvSpPr txBox="1">
             <a:spLocks noGrp="1"/>
           </p:cNvSpPr>
@@ -5699,7 +5813,7 @@
       </p:sp>
       <p:sp>
         <p:nvSpPr>
-          <p:cNvPr id="1048642" name="TextBox 22"/>
+          <p:cNvPr id="1048623" name="TextBox 22"/>
           <p:cNvSpPr txBox="1"/>
           <p:nvPr/>
         </p:nvSpPr>
@@ -5949,7 +6063,7 @@
   <p:cSld>
     <p:spTree>
       <p:nvGrpSpPr>
-        <p:cNvPr id="31" name=""/>
+        <p:cNvPr id="19" name=""/>
         <p:cNvGrpSpPr/>
         <p:nvPr/>
       </p:nvGrpSpPr>
@@ -5963,7 +6077,7 @@
       </p:grpSpPr>
       <p:grpSp>
         <p:nvGrpSpPr>
-          <p:cNvPr id="32" name="object 2"/>
+          <p:cNvPr id="20" name="object 2"/>
           <p:cNvGrpSpPr/>
           <p:nvPr/>
         </p:nvGrpSpPr>
@@ -5977,7 +6091,7 @@
         </p:grpSpPr>
         <p:sp>
           <p:nvSpPr>
-            <p:cNvPr id="1048643" name="object 3"/>
+            <p:cNvPr id="1048595" name="object 3"/>
             <p:cNvSpPr/>
             <p:nvPr/>
           </p:nvSpPr>
@@ -6022,7 +6136,7 @@
         </p:sp>
         <p:sp>
           <p:nvSpPr>
-            <p:cNvPr id="1048644" name="object 4"/>
+            <p:cNvPr id="1048596" name="object 4"/>
             <p:cNvSpPr/>
             <p:nvPr/>
           </p:nvSpPr>
@@ -6067,7 +6181,7 @@
         </p:sp>
         <p:pic>
           <p:nvPicPr>
-            <p:cNvPr id="2097158" name="object 5"/>
+            <p:cNvPr id="2097152" name="object 5"/>
             <p:cNvPicPr>
               <a:picLocks/>
             </p:cNvPicPr>
@@ -6090,7 +6204,7 @@
       </p:grpSp>
       <p:sp>
         <p:nvSpPr>
-          <p:cNvPr id="1048645" name="object 6"/>
+          <p:cNvPr id="1048597" name="object 6"/>
           <p:cNvSpPr/>
           <p:nvPr/>
         </p:nvSpPr>
@@ -6135,7 +6249,7 @@
       </p:sp>
       <p:sp>
         <p:nvSpPr>
-          <p:cNvPr id="1048646" name="object 7"/>
+          <p:cNvPr id="1048598" name="object 7"/>
           <p:cNvSpPr txBox="1">
             <a:spLocks noGrp="1"/>
           </p:cNvSpPr>
@@ -6224,7 +6338,7 @@
       </p:sp>
       <p:pic>
         <p:nvPicPr>
-          <p:cNvPr id="2097159" name="object 8"/>
+          <p:cNvPr id="2097153" name="object 8"/>
           <p:cNvPicPr>
             <a:picLocks/>
           </p:cNvPicPr>
@@ -6246,7 +6360,7 @@
       </p:pic>
       <p:sp>
         <p:nvSpPr>
-          <p:cNvPr id="1048647" name="object 10"/>
+          <p:cNvPr id="1048599" name="object 10"/>
           <p:cNvSpPr txBox="1">
             <a:spLocks noGrp="1"/>
           </p:cNvSpPr>
@@ -6280,7 +6394,7 @@
       </p:sp>
       <p:sp>
         <p:nvSpPr>
-          <p:cNvPr id="1048648" name=""/>
+          <p:cNvPr id="1048600" name=""/>
           <p:cNvSpPr txBox="1"/>
           <p:nvPr/>
         </p:nvSpPr>
@@ -6332,7 +6446,7 @@
   <p:cSld>
     <p:spTree>
       <p:nvGrpSpPr>
-        <p:cNvPr id="33" name=""/>
+        <p:cNvPr id="22" name=""/>
         <p:cNvGrpSpPr/>
         <p:nvPr/>
       </p:nvGrpSpPr>
@@ -6346,7 +6460,7 @@
       </p:grpSpPr>
       <p:grpSp>
         <p:nvGrpSpPr>
-          <p:cNvPr id="34" name="object 2"/>
+          <p:cNvPr id="23" name="object 2"/>
           <p:cNvGrpSpPr/>
           <p:nvPr/>
         </p:nvGrpSpPr>
@@ -6360,7 +6474,7 @@
         </p:grpSpPr>
         <p:sp>
           <p:nvSpPr>
-            <p:cNvPr id="1048649" name="object 3"/>
+            <p:cNvPr id="1048601" name="object 3"/>
             <p:cNvSpPr/>
             <p:nvPr/>
           </p:nvSpPr>
@@ -6405,7 +6519,7 @@
         </p:sp>
         <p:sp>
           <p:nvSpPr>
-            <p:cNvPr id="1048650" name="object 4"/>
+            <p:cNvPr id="1048602" name="object 4"/>
             <p:cNvSpPr/>
             <p:nvPr/>
           </p:nvSpPr>
@@ -6450,7 +6564,7 @@
         </p:sp>
         <p:pic>
           <p:nvPicPr>
-            <p:cNvPr id="2097160" name="object 5"/>
+            <p:cNvPr id="2097154" name="object 5"/>
             <p:cNvPicPr>
               <a:picLocks/>
             </p:cNvPicPr>
@@ -6473,7 +6587,7 @@
       </p:grpSp>
       <p:sp>
         <p:nvSpPr>
-          <p:cNvPr id="1048651" name="object 6"/>
+          <p:cNvPr id="1048603" name="object 6"/>
           <p:cNvSpPr/>
           <p:nvPr/>
         </p:nvSpPr>
@@ -6518,7 +6632,7 @@
       </p:sp>
       <p:sp>
         <p:nvSpPr>
-          <p:cNvPr id="1048652" name="object 7"/>
+          <p:cNvPr id="1048604" name="object 7"/>
           <p:cNvSpPr txBox="1">
             <a:spLocks noGrp="1"/>
           </p:cNvSpPr>
@@ -6563,7 +6677,7 @@
       </p:sp>
       <p:pic>
         <p:nvPicPr>
-          <p:cNvPr id="2097161" name="object 8"/>
+          <p:cNvPr id="2097155" name="object 8"/>
           <p:cNvPicPr>
             <a:picLocks/>
           </p:cNvPicPr>
@@ -6585,7 +6699,7 @@
       </p:pic>
       <p:sp>
         <p:nvSpPr>
-          <p:cNvPr id="1048653" name="object 10"/>
+          <p:cNvPr id="1048605" name="object 10"/>
           <p:cNvSpPr txBox="1">
             <a:spLocks noGrp="1"/>
           </p:cNvSpPr>
@@ -6619,7 +6733,7 @@
       </p:sp>
       <p:sp>
         <p:nvSpPr>
-          <p:cNvPr id="1048654" name=""/>
+          <p:cNvPr id="1048606" name=""/>
           <p:cNvSpPr txBox="1"/>
           <p:nvPr/>
         </p:nvSpPr>
@@ -6670,7 +6784,7 @@
   <p:cSld>
     <p:spTree>
       <p:nvGrpSpPr>
-        <p:cNvPr id="35" name=""/>
+        <p:cNvPr id="27" name=""/>
         <p:cNvGrpSpPr/>
         <p:nvPr/>
       </p:nvGrpSpPr>
@@ -6684,7 +6798,7 @@
       </p:grpSpPr>
       <p:sp>
         <p:nvSpPr>
-          <p:cNvPr id="1048655" name="object 2"/>
+          <p:cNvPr id="1048624" name="object 2"/>
           <p:cNvSpPr/>
           <p:nvPr/>
         </p:nvSpPr>
@@ -6729,7 +6843,7 @@
       </p:sp>
       <p:sp>
         <p:nvSpPr>
-          <p:cNvPr id="1048656" name="object 3"/>
+          <p:cNvPr id="1048625" name="object 3"/>
           <p:cNvSpPr/>
           <p:nvPr/>
         </p:nvSpPr>
@@ -6774,7 +6888,7 @@
       </p:sp>
       <p:sp>
         <p:nvSpPr>
-          <p:cNvPr id="1048657" name="object 4"/>
+          <p:cNvPr id="1048626" name="object 4"/>
           <p:cNvSpPr/>
           <p:nvPr/>
         </p:nvSpPr>
@@ -6819,7 +6933,7 @@
       </p:sp>
       <p:sp>
         <p:nvSpPr>
-          <p:cNvPr id="1048658" name="object 5"/>
+          <p:cNvPr id="1048627" name="object 5"/>
           <p:cNvSpPr txBox="1">
             <a:spLocks noGrp="1"/>
           </p:cNvSpPr>
@@ -6933,7 +7047,7 @@
       </p:sp>
       <p:pic>
         <p:nvPicPr>
-          <p:cNvPr id="2097162" name="object 6"/>
+          <p:cNvPr id="2097159" name="object 6"/>
           <p:cNvPicPr>
             <a:picLocks/>
           </p:cNvPicPr>
@@ -6955,7 +7069,7 @@
       </p:pic>
       <p:sp>
         <p:nvSpPr>
-          <p:cNvPr id="1048659" name="object 8"/>
+          <p:cNvPr id="1048628" name="object 8"/>
           <p:cNvSpPr txBox="1">
             <a:spLocks noGrp="1"/>
           </p:cNvSpPr>
@@ -6989,7 +7103,7 @@
       </p:sp>
       <p:sp>
         <p:nvSpPr>
-          <p:cNvPr id="1048660" name=""/>
+          <p:cNvPr id="1048629" name=""/>
           <p:cNvSpPr txBox="1"/>
           <p:nvPr/>
         </p:nvSpPr>
@@ -7043,7 +7157,7 @@
   <p:cSld>
     <p:spTree>
       <p:nvGrpSpPr>
-        <p:cNvPr id="36" name=""/>
+        <p:cNvPr id="31" name=""/>
         <p:cNvGrpSpPr/>
         <p:nvPr/>
       </p:nvGrpSpPr>
@@ -7057,7 +7171,7 @@
       </p:grpSpPr>
       <p:pic>
         <p:nvPicPr>
-          <p:cNvPr id="2097163" name="object 2"/>
+          <p:cNvPr id="2097162" name="object 2"/>
           <p:cNvPicPr>
             <a:picLocks/>
           </p:cNvPicPr>
@@ -7079,7 +7193,7 @@
       </p:pic>
       <p:sp>
         <p:nvSpPr>
-          <p:cNvPr id="1048661" name="object 3"/>
+          <p:cNvPr id="1048646" name="object 3"/>
           <p:cNvSpPr/>
           <p:nvPr/>
         </p:nvSpPr>
@@ -7124,7 +7238,7 @@
       </p:sp>
       <p:sp>
         <p:nvSpPr>
-          <p:cNvPr id="1048662" name="object 4"/>
+          <p:cNvPr id="1048647" name="object 4"/>
           <p:cNvSpPr/>
           <p:nvPr/>
         </p:nvSpPr>
@@ -7169,7 +7283,7 @@
       </p:sp>
       <p:sp>
         <p:nvSpPr>
-          <p:cNvPr id="1048663" name="object 5"/>
+          <p:cNvPr id="1048648" name="object 5"/>
           <p:cNvSpPr/>
           <p:nvPr/>
         </p:nvSpPr>
@@ -7214,7 +7328,7 @@
       </p:sp>
       <p:sp>
         <p:nvSpPr>
-          <p:cNvPr id="1048664" name="object 6"/>
+          <p:cNvPr id="1048649" name="object 6"/>
           <p:cNvSpPr txBox="1">
             <a:spLocks noGrp="1"/>
           </p:cNvSpPr>
@@ -7252,7 +7366,7 @@
       </p:sp>
       <p:pic>
         <p:nvPicPr>
-          <p:cNvPr id="2097164" name="object 7"/>
+          <p:cNvPr id="2097163" name="object 7"/>
           <p:cNvPicPr>
             <a:picLocks/>
           </p:cNvPicPr>
@@ -7274,7 +7388,7 @@
       </p:pic>
       <p:sp>
         <p:nvSpPr>
-          <p:cNvPr id="1048665" name="object 9"/>
+          <p:cNvPr id="1048650" name="object 9"/>
           <p:cNvSpPr txBox="1">
             <a:spLocks noGrp="1"/>
           </p:cNvSpPr>
@@ -7308,7 +7422,7 @@
       </p:sp>
       <p:sp>
         <p:nvSpPr>
-          <p:cNvPr id="1048666" name=""/>
+          <p:cNvPr id="1048651" name=""/>
           <p:cNvSpPr txBox="1"/>
           <p:nvPr/>
         </p:nvSpPr>

--- a/PPT FWD TNSDC 2025.pptx
+++ b/PPT FWD TNSDC 2025.pptx
@@ -2,24 +2,24 @@
 <file path=ppt/presentation.xml><?xml version="1.0" encoding="utf-8"?>
 <p:presentation xmlns:p="http://schemas.openxmlformats.org/presentationml/2006/main" xmlns:r="http://schemas.openxmlformats.org/officeDocument/2006/relationships" xmlns:a="http://schemas.openxmlformats.org/drawingml/2006/main">
   <p:sldMasterIdLst>
-    <p:sldMasterId id="2147483654" r:id="rId1"/>
+    <p:sldMasterId id="2147483648" r:id="rId1"/>
   </p:sldMasterIdLst>
   <p:notesMasterIdLst>
     <p:notesMasterId r:id="rId2"/>
   </p:notesMasterIdLst>
   <p:sldIdLst>
-    <p:sldId id="270" r:id="rId3"/>
-    <p:sldId id="271" r:id="rId4"/>
-    <p:sldId id="272" r:id="rId5"/>
-    <p:sldId id="273" r:id="rId6"/>
-    <p:sldId id="274" r:id="rId7"/>
-    <p:sldId id="275" r:id="rId8"/>
-    <p:sldId id="276" r:id="rId9"/>
-    <p:sldId id="277" r:id="rId10"/>
-    <p:sldId id="278" r:id="rId11"/>
-    <p:sldId id="279" r:id="rId12"/>
-    <p:sldId id="280" r:id="rId13"/>
-    <p:sldId id="282" r:id="rId14"/>
+    <p:sldId id="257" r:id="rId3"/>
+    <p:sldId id="258" r:id="rId4"/>
+    <p:sldId id="259" r:id="rId5"/>
+    <p:sldId id="260" r:id="rId6"/>
+    <p:sldId id="261" r:id="rId7"/>
+    <p:sldId id="262" r:id="rId8"/>
+    <p:sldId id="263" r:id="rId9"/>
+    <p:sldId id="264" r:id="rId10"/>
+    <p:sldId id="265" r:id="rId11"/>
+    <p:sldId id="266" r:id="rId12"/>
+    <p:sldId id="268" r:id="rId13"/>
+    <p:sldId id="269" r:id="rId14"/>
   </p:sldIdLst>
   <p:sldSz type="screen16x9" cy="6858000" cx="12192000"/>
   <p:notesSz cx="12192000" cy="6858000"/>
@@ -131,7 +131,7 @@
     </p:bg>
     <p:spTree>
       <p:nvGrpSpPr>
-        <p:cNvPr id="44" name=""/>
+        <p:cNvPr id="46" name=""/>
         <p:cNvGrpSpPr/>
         <p:nvPr/>
       </p:nvGrpSpPr>
@@ -145,7 +145,7 @@
       </p:grpSpPr>
       <p:sp>
         <p:nvSpPr>
-          <p:cNvPr id="1048700" name="Header Placeholder 1"/>
+          <p:cNvPr id="1048702" name="Header Placeholder 1"/>
           <p:cNvSpPr>
             <a:spLocks noGrp="1"/>
           </p:cNvSpPr>
@@ -174,7 +174,7 @@
       </p:sp>
       <p:sp>
         <p:nvSpPr>
-          <p:cNvPr id="1048701" name="Date Placeholder 2"/>
+          <p:cNvPr id="1048703" name="Date Placeholder 2"/>
           <p:cNvSpPr>
             <a:spLocks noGrp="1"/>
           </p:cNvSpPr>
@@ -207,7 +207,7 @@
       </p:sp>
       <p:sp>
         <p:nvSpPr>
-          <p:cNvPr id="1048702" name="Slide Image Placeholder 3"/>
+          <p:cNvPr id="1048704" name="Slide Image Placeholder 3"/>
           <p:cNvSpPr>
             <a:spLocks noChangeAspect="1" noRot="1" noGrp="1"/>
           </p:cNvSpPr>
@@ -237,7 +237,7 @@
       </p:sp>
       <p:sp>
         <p:nvSpPr>
-          <p:cNvPr id="1048703" name="Notes Placeholder 4"/>
+          <p:cNvPr id="1048705" name="Notes Placeholder 4"/>
           <p:cNvSpPr>
             <a:spLocks noGrp="1"/>
           </p:cNvSpPr>
@@ -294,7 +294,7 @@
       </p:sp>
       <p:sp>
         <p:nvSpPr>
-          <p:cNvPr id="1048704" name="Footer Placeholder 5"/>
+          <p:cNvPr id="1048706" name="Footer Placeholder 5"/>
           <p:cNvSpPr>
             <a:spLocks noGrp="1"/>
           </p:cNvSpPr>
@@ -323,7 +323,7 @@
       </p:sp>
       <p:sp>
         <p:nvSpPr>
-          <p:cNvPr id="1048705" name="Slide Number Placeholder 6"/>
+          <p:cNvPr id="1048707" name="Slide Number Placeholder 6"/>
           <p:cNvSpPr>
             <a:spLocks noGrp="1"/>
           </p:cNvSpPr>
@@ -457,7 +457,7 @@
   <p:cSld>
     <p:spTree>
       <p:nvGrpSpPr>
-        <p:cNvPr id="36" name=""/>
+        <p:cNvPr id="22" name=""/>
         <p:cNvGrpSpPr/>
         <p:nvPr/>
       </p:nvGrpSpPr>
@@ -471,7 +471,7 @@
       </p:grpSpPr>
       <p:sp>
         <p:nvSpPr>
-          <p:cNvPr id="1048664" name="Slide Image Placeholder 1"/>
+          <p:cNvPr id="1048603" name="Slide Image Placeholder 1"/>
           <p:cNvSpPr>
             <a:spLocks noChangeAspect="1" noRot="1" noGrp="1"/>
           </p:cNvSpPr>
@@ -483,7 +483,7 @@
       </p:sp>
       <p:sp>
         <p:nvSpPr>
-          <p:cNvPr id="1048665" name="Notes Placeholder 2"/>
+          <p:cNvPr id="1048604" name="Notes Placeholder 2"/>
           <p:cNvSpPr>
             <a:spLocks noGrp="1"/>
           </p:cNvSpPr>
@@ -501,7 +501,7 @@
       </p:sp>
       <p:sp>
         <p:nvSpPr>
-          <p:cNvPr id="1048666" name="Slide Number Placeholder 3"/>
+          <p:cNvPr id="1048605" name="Slide Number Placeholder 3"/>
           <p:cNvSpPr>
             <a:spLocks noGrp="1"/>
           </p:cNvSpPr>
@@ -534,7 +534,7 @@
   <p:cSld name="Title Slide">
     <p:spTree>
       <p:nvGrpSpPr>
-        <p:cNvPr id="32" name=""/>
+        <p:cNvPr id="18" name=""/>
         <p:cNvGrpSpPr/>
         <p:nvPr/>
       </p:nvGrpSpPr>
@@ -548,7 +548,7 @@
       </p:grpSpPr>
       <p:sp>
         <p:nvSpPr>
-          <p:cNvPr id="1048652" name="Holder 2"/>
+          <p:cNvPr id="1048591" name="Holder 2"/>
           <p:cNvSpPr>
             <a:spLocks noGrp="1"/>
           </p:cNvSpPr>
@@ -583,7 +583,7 @@
       </p:sp>
       <p:sp>
         <p:nvSpPr>
-          <p:cNvPr id="1048653" name="Holder 3"/>
+          <p:cNvPr id="1048592" name="Holder 3"/>
           <p:cNvSpPr>
             <a:spLocks noGrp="1"/>
           </p:cNvSpPr>
@@ -607,7 +607,7 @@
       </p:sp>
       <p:sp>
         <p:nvSpPr>
-          <p:cNvPr id="1048654" name="Holder 4"/>
+          <p:cNvPr id="1048593" name="Holder 4"/>
           <p:cNvSpPr>
             <a:spLocks noGrp="1"/>
           </p:cNvSpPr>
@@ -634,7 +634,7 @@
       </p:sp>
       <p:sp>
         <p:nvSpPr>
-          <p:cNvPr id="1048655" name="Holder 5"/>
+          <p:cNvPr id="1048594" name="Holder 5"/>
           <p:cNvSpPr>
             <a:spLocks noGrp="1"/>
           </p:cNvSpPr>
@@ -667,7 +667,7 @@
       </p:sp>
       <p:sp>
         <p:nvSpPr>
-          <p:cNvPr id="1048656" name="Holder 6"/>
+          <p:cNvPr id="1048595" name="Holder 6"/>
           <p:cNvSpPr>
             <a:spLocks noGrp="1"/>
           </p:cNvSpPr>
@@ -719,7 +719,7 @@
   <p:cSld name="Title and Content">
     <p:spTree>
       <p:nvGrpSpPr>
-        <p:cNvPr id="41" name=""/>
+        <p:cNvPr id="44" name=""/>
         <p:cNvGrpSpPr/>
         <p:nvPr/>
       </p:nvGrpSpPr>
@@ -733,7 +733,7 @@
       </p:grpSpPr>
       <p:sp>
         <p:nvSpPr>
-          <p:cNvPr id="1048686" name="Holder 2"/>
+          <p:cNvPr id="1048691" name="Holder 2"/>
           <p:cNvSpPr>
             <a:spLocks noGrp="1"/>
           </p:cNvSpPr>
@@ -765,7 +765,7 @@
       </p:sp>
       <p:sp>
         <p:nvSpPr>
-          <p:cNvPr id="1048687" name="Holder 3"/>
+          <p:cNvPr id="1048692" name="Holder 3"/>
           <p:cNvSpPr>
             <a:spLocks noGrp="1"/>
           </p:cNvSpPr>
@@ -786,7 +786,7 @@
       </p:sp>
       <p:sp>
         <p:nvSpPr>
-          <p:cNvPr id="1048688" name="Holder 4"/>
+          <p:cNvPr id="1048693" name="Holder 4"/>
           <p:cNvSpPr>
             <a:spLocks noGrp="1"/>
           </p:cNvSpPr>
@@ -813,7 +813,7 @@
       </p:sp>
       <p:sp>
         <p:nvSpPr>
-          <p:cNvPr id="1048689" name="Holder 5"/>
+          <p:cNvPr id="1048694" name="Holder 5"/>
           <p:cNvSpPr>
             <a:spLocks noGrp="1"/>
           </p:cNvSpPr>
@@ -846,7 +846,7 @@
       </p:sp>
       <p:sp>
         <p:nvSpPr>
-          <p:cNvPr id="1048690" name="Holder 6"/>
+          <p:cNvPr id="1048695" name="Holder 6"/>
           <p:cNvSpPr>
             <a:spLocks noGrp="1"/>
           </p:cNvSpPr>
@@ -896,6 +896,370 @@
 <file path=ppt/slideLayouts/slideLayout3.xml><?xml version="1.0" encoding="utf-8"?>
 <p:sldLayout xmlns:a="http://schemas.openxmlformats.org/drawingml/2006/main" xmlns:r="http://schemas.openxmlformats.org/officeDocument/2006/relationships" xmlns:p="http://schemas.openxmlformats.org/presentationml/2006/main" preserve="1" type="obj">
   <p:cSld name="Two Content">
+    <p:spTree>
+      <p:nvGrpSpPr>
+        <p:cNvPr id="45" name=""/>
+        <p:cNvGrpSpPr/>
+        <p:nvPr/>
+      </p:nvGrpSpPr>
+      <p:grpSpPr>
+        <a:xfrm>
+          <a:off x="0" y="0"/>
+          <a:ext cx="0" cy="0"/>
+          <a:chOff x="0" y="0"/>
+          <a:chExt cx="0" cy="0"/>
+        </a:xfrm>
+      </p:grpSpPr>
+      <p:sp>
+        <p:nvSpPr>
+          <p:cNvPr id="1048696" name="Holder 2"/>
+          <p:cNvSpPr>
+            <a:spLocks noGrp="1"/>
+          </p:cNvSpPr>
+          <p:nvPr>
+            <p:ph type="title"/>
+          </p:nvPr>
+        </p:nvSpPr>
+        <p:spPr>
+          <a:xfrm>
+            <a:off x="755332" y="385444"/>
+            <a:ext cx="10681335" cy="723901"/>
+          </a:xfrm>
+        </p:spPr>
+        <p:txBody>
+          <a:bodyPr bIns="0" lIns="0" rIns="0" tIns="0"/>
+          <a:lstStyle>
+            <a:lvl1pPr>
+              <a:defRPr b="1" sz="4800" i="0">
+                <a:solidFill>
+                  <a:schemeClr val="tx1"/>
+                </a:solidFill>
+                <a:latin typeface="Trebuchet MS"/>
+                <a:cs typeface="Trebuchet MS"/>
+              </a:defRPr>
+            </a:lvl1pPr>
+          </a:lstStyle>
+          <a:p/>
+        </p:txBody>
+      </p:sp>
+      <p:sp>
+        <p:nvSpPr>
+          <p:cNvPr id="1048697" name="Holder 3"/>
+          <p:cNvSpPr>
+            <a:spLocks noGrp="1"/>
+          </p:cNvSpPr>
+          <p:nvPr>
+            <p:ph sz="half" idx="2"/>
+          </p:nvPr>
+        </p:nvSpPr>
+        <p:spPr>
+          <a:xfrm>
+            <a:off x="609600" y="1577340"/>
+            <a:ext cx="5303520" cy="266700"/>
+          </a:xfrm>
+          <a:prstGeom prst="rect"/>
+        </p:spPr>
+        <p:txBody>
+          <a:bodyPr bIns="0" lIns="0" rIns="0" tIns="0" wrap="square">
+            <a:spAutoFit/>
+          </a:bodyPr>
+          <a:p/>
+        </p:txBody>
+      </p:sp>
+      <p:sp>
+        <p:nvSpPr>
+          <p:cNvPr id="1048698" name="Holder 4"/>
+          <p:cNvSpPr>
+            <a:spLocks noGrp="1"/>
+          </p:cNvSpPr>
+          <p:nvPr>
+            <p:ph sz="half" idx="3"/>
+          </p:nvPr>
+        </p:nvSpPr>
+        <p:spPr>
+          <a:xfrm>
+            <a:off x="6278880" y="1577340"/>
+            <a:ext cx="5303520" cy="266700"/>
+          </a:xfrm>
+          <a:prstGeom prst="rect"/>
+        </p:spPr>
+        <p:txBody>
+          <a:bodyPr bIns="0" lIns="0" rIns="0" tIns="0" wrap="square">
+            <a:spAutoFit/>
+          </a:bodyPr>
+          <a:p/>
+        </p:txBody>
+      </p:sp>
+      <p:sp>
+        <p:nvSpPr>
+          <p:cNvPr id="1048699" name="Holder 5"/>
+          <p:cNvSpPr>
+            <a:spLocks noGrp="1"/>
+          </p:cNvSpPr>
+          <p:nvPr>
+            <p:ph type="ftr" sz="quarter" idx="5"/>
+          </p:nvPr>
+        </p:nvSpPr>
+        <p:spPr/>
+        <p:txBody>
+          <a:bodyPr bIns="0" lIns="0" rIns="0" tIns="0"/>
+          <a:lstStyle>
+            <a:lvl1pPr algn="ctr">
+              <a:defRPr>
+                <a:solidFill>
+                  <a:schemeClr val="tx1">
+                    <a:tint val="75000"/>
+                  </a:schemeClr>
+                </a:solidFill>
+              </a:defRPr>
+            </a:lvl1pPr>
+          </a:lstStyle>
+          <a:p/>
+        </p:txBody>
+      </p:sp>
+      <p:sp>
+        <p:nvSpPr>
+          <p:cNvPr id="1048700" name="Holder 6"/>
+          <p:cNvSpPr>
+            <a:spLocks noGrp="1"/>
+          </p:cNvSpPr>
+          <p:nvPr>
+            <p:ph type="dt" sz="half" idx="6"/>
+          </p:nvPr>
+        </p:nvSpPr>
+        <p:spPr/>
+        <p:txBody>
+          <a:bodyPr bIns="0" lIns="0" rIns="0" tIns="0"/>
+          <a:lstStyle>
+            <a:lvl1pPr algn="l">
+              <a:defRPr>
+                <a:solidFill>
+                  <a:schemeClr val="tx1">
+                    <a:tint val="75000"/>
+                  </a:schemeClr>
+                </a:solidFill>
+              </a:defRPr>
+            </a:lvl1pPr>
+          </a:lstStyle>
+          <a:p>
+            <a:fld id="{1D8BD707-D9CF-40AE-B4C6-C98DA3205C09}" type="datetimeFigureOut">
+              <a:rPr lang="en-US"/>
+              <a:t>8/18/2025</a:t>
+            </a:fld>
+            <a:endParaRPr lang="en-US"/>
+          </a:p>
+        </p:txBody>
+      </p:sp>
+      <p:sp>
+        <p:nvSpPr>
+          <p:cNvPr id="1048701" name="Holder 7"/>
+          <p:cNvSpPr>
+            <a:spLocks noGrp="1"/>
+          </p:cNvSpPr>
+          <p:nvPr>
+            <p:ph type="sldNum" sz="quarter" idx="7"/>
+          </p:nvPr>
+        </p:nvSpPr>
+        <p:spPr/>
+        <p:txBody>
+          <a:bodyPr bIns="0" lIns="0" rIns="0" tIns="0"/>
+          <a:lstStyle>
+            <a:lvl1pPr>
+              <a:defRPr b="0" sz="1100" i="0">
+                <a:solidFill>
+                  <a:srgbClr val="2D936B"/>
+                </a:solidFill>
+                <a:latin typeface="Trebuchet MS"/>
+                <a:cs typeface="Trebuchet MS"/>
+              </a:defRPr>
+            </a:lvl1pPr>
+          </a:lstStyle>
+          <a:p>
+            <a:pPr marL="38100">
+              <a:lnSpc>
+                <a:spcPct val="100000"/>
+              </a:lnSpc>
+              <a:spcBef>
+                <a:spcPts val="55"/>
+              </a:spcBef>
+            </a:pPr>
+            <a:fld id="{81D60167-4931-47E6-BA6A-407CBD079E47}" type="slidenum">
+              <a:rPr dirty="0" spc="10"/>
+              <a:t>‹#›</a:t>
+            </a:fld>
+            <a:endParaRPr dirty="0" spc="10"/>
+          </a:p>
+        </p:txBody>
+      </p:sp>
+    </p:spTree>
+  </p:cSld>
+  <p:clrMapOvr>
+    <a:masterClrMapping/>
+  </p:clrMapOvr>
+</p:sldLayout>
+</file>
+
+<file path=ppt/slideLayouts/slideLayout4.xml><?xml version="1.0" encoding="utf-8"?>
+<p:sldLayout xmlns:a="http://schemas.openxmlformats.org/drawingml/2006/main" xmlns:r="http://schemas.openxmlformats.org/officeDocument/2006/relationships" xmlns:p="http://schemas.openxmlformats.org/presentationml/2006/main" preserve="1" type="obj">
+  <p:cSld name="Title Only">
+    <p:spTree>
+      <p:nvGrpSpPr>
+        <p:cNvPr id="25" name=""/>
+        <p:cNvGrpSpPr/>
+        <p:nvPr/>
+      </p:nvGrpSpPr>
+      <p:grpSpPr>
+        <a:xfrm>
+          <a:off x="0" y="0"/>
+          <a:ext cx="0" cy="0"/>
+          <a:chOff x="0" y="0"/>
+          <a:chExt cx="0" cy="0"/>
+        </a:xfrm>
+      </p:grpSpPr>
+      <p:sp>
+        <p:nvSpPr>
+          <p:cNvPr id="1048606" name="Holder 2"/>
+          <p:cNvSpPr>
+            <a:spLocks noGrp="1"/>
+          </p:cNvSpPr>
+          <p:nvPr>
+            <p:ph type="title"/>
+          </p:nvPr>
+        </p:nvSpPr>
+        <p:spPr>
+          <a:xfrm>
+            <a:off x="755332" y="385444"/>
+            <a:ext cx="10681335" cy="723901"/>
+          </a:xfrm>
+        </p:spPr>
+        <p:txBody>
+          <a:bodyPr bIns="0" lIns="0" rIns="0" tIns="0"/>
+          <a:lstStyle>
+            <a:lvl1pPr>
+              <a:defRPr b="1" sz="4800" i="0">
+                <a:solidFill>
+                  <a:schemeClr val="tx1"/>
+                </a:solidFill>
+                <a:latin typeface="Trebuchet MS"/>
+                <a:cs typeface="Trebuchet MS"/>
+              </a:defRPr>
+            </a:lvl1pPr>
+          </a:lstStyle>
+          <a:p/>
+        </p:txBody>
+      </p:sp>
+      <p:sp>
+        <p:nvSpPr>
+          <p:cNvPr id="1048607" name="Holder 3"/>
+          <p:cNvSpPr>
+            <a:spLocks noGrp="1"/>
+          </p:cNvSpPr>
+          <p:nvPr>
+            <p:ph type="ftr" sz="quarter" idx="5"/>
+          </p:nvPr>
+        </p:nvSpPr>
+        <p:spPr/>
+        <p:txBody>
+          <a:bodyPr bIns="0" lIns="0" rIns="0" tIns="0"/>
+          <a:lstStyle>
+            <a:lvl1pPr algn="ctr">
+              <a:defRPr>
+                <a:solidFill>
+                  <a:schemeClr val="tx1">
+                    <a:tint val="75000"/>
+                  </a:schemeClr>
+                </a:solidFill>
+              </a:defRPr>
+            </a:lvl1pPr>
+          </a:lstStyle>
+          <a:p/>
+        </p:txBody>
+      </p:sp>
+      <p:sp>
+        <p:nvSpPr>
+          <p:cNvPr id="1048608" name="Holder 4"/>
+          <p:cNvSpPr>
+            <a:spLocks noGrp="1"/>
+          </p:cNvSpPr>
+          <p:nvPr>
+            <p:ph type="dt" sz="half" idx="6"/>
+          </p:nvPr>
+        </p:nvSpPr>
+        <p:spPr/>
+        <p:txBody>
+          <a:bodyPr bIns="0" lIns="0" rIns="0" tIns="0"/>
+          <a:lstStyle>
+            <a:lvl1pPr algn="l">
+              <a:defRPr>
+                <a:solidFill>
+                  <a:schemeClr val="tx1">
+                    <a:tint val="75000"/>
+                  </a:schemeClr>
+                </a:solidFill>
+              </a:defRPr>
+            </a:lvl1pPr>
+          </a:lstStyle>
+          <a:p>
+            <a:fld id="{1D8BD707-D9CF-40AE-B4C6-C98DA3205C09}" type="datetimeFigureOut">
+              <a:rPr lang="en-US"/>
+              <a:t>8/18/2025</a:t>
+            </a:fld>
+            <a:endParaRPr lang="en-US"/>
+          </a:p>
+        </p:txBody>
+      </p:sp>
+      <p:sp>
+        <p:nvSpPr>
+          <p:cNvPr id="1048609" name="Holder 5"/>
+          <p:cNvSpPr>
+            <a:spLocks noGrp="1"/>
+          </p:cNvSpPr>
+          <p:nvPr>
+            <p:ph type="sldNum" sz="quarter" idx="7"/>
+          </p:nvPr>
+        </p:nvSpPr>
+        <p:spPr/>
+        <p:txBody>
+          <a:bodyPr bIns="0" lIns="0" rIns="0" tIns="0"/>
+          <a:lstStyle>
+            <a:lvl1pPr>
+              <a:defRPr b="0" sz="1100" i="0">
+                <a:solidFill>
+                  <a:srgbClr val="2D936B"/>
+                </a:solidFill>
+                <a:latin typeface="Trebuchet MS"/>
+                <a:cs typeface="Trebuchet MS"/>
+              </a:defRPr>
+            </a:lvl1pPr>
+          </a:lstStyle>
+          <a:p>
+            <a:pPr marL="38100">
+              <a:lnSpc>
+                <a:spcPct val="100000"/>
+              </a:lnSpc>
+              <a:spcBef>
+                <a:spcPts val="55"/>
+              </a:spcBef>
+            </a:pPr>
+            <a:fld id="{81D60167-4931-47E6-BA6A-407CBD079E47}" type="slidenum">
+              <a:rPr dirty="0" spc="10"/>
+              <a:t>‹#›</a:t>
+            </a:fld>
+            <a:endParaRPr dirty="0" spc="10"/>
+          </a:p>
+        </p:txBody>
+      </p:sp>
+    </p:spTree>
+  </p:cSld>
+  <p:clrMapOvr>
+    <a:masterClrMapping/>
+  </p:clrMapOvr>
+</p:sldLayout>
+</file>
+
+<file path=ppt/slideLayouts/slideLayout5.xml><?xml version="1.0" encoding="utf-8"?>
+<p:sldLayout xmlns:a="http://schemas.openxmlformats.org/drawingml/2006/main" xmlns:r="http://schemas.openxmlformats.org/officeDocument/2006/relationships" xmlns:p="http://schemas.openxmlformats.org/presentationml/2006/main" preserve="1" type="obj">
+  <p:cSld name="Blank">
     <p:spTree>
       <p:nvGrpSpPr>
         <p:cNvPr id="42" name=""/>
@@ -912,87 +1276,7 @@
       </p:grpSpPr>
       <p:sp>
         <p:nvSpPr>
-          <p:cNvPr id="1048691" name="Holder 2"/>
-          <p:cNvSpPr>
-            <a:spLocks noGrp="1"/>
-          </p:cNvSpPr>
-          <p:nvPr>
-            <p:ph type="title"/>
-          </p:nvPr>
-        </p:nvSpPr>
-        <p:spPr>
-          <a:xfrm>
-            <a:off x="755332" y="385444"/>
-            <a:ext cx="10681335" cy="723901"/>
-          </a:xfrm>
-        </p:spPr>
-        <p:txBody>
-          <a:bodyPr bIns="0" lIns="0" rIns="0" tIns="0"/>
-          <a:lstStyle>
-            <a:lvl1pPr>
-              <a:defRPr b="1" sz="4800" i="0">
-                <a:solidFill>
-                  <a:schemeClr val="tx1"/>
-                </a:solidFill>
-                <a:latin typeface="Trebuchet MS"/>
-                <a:cs typeface="Trebuchet MS"/>
-              </a:defRPr>
-            </a:lvl1pPr>
-          </a:lstStyle>
-          <a:p/>
-        </p:txBody>
-      </p:sp>
-      <p:sp>
-        <p:nvSpPr>
-          <p:cNvPr id="1048692" name="Holder 3"/>
-          <p:cNvSpPr>
-            <a:spLocks noGrp="1"/>
-          </p:cNvSpPr>
-          <p:nvPr>
-            <p:ph sz="half" idx="2"/>
-          </p:nvPr>
-        </p:nvSpPr>
-        <p:spPr>
-          <a:xfrm>
-            <a:off x="609600" y="1577340"/>
-            <a:ext cx="5303520" cy="266700"/>
-          </a:xfrm>
-          <a:prstGeom prst="rect"/>
-        </p:spPr>
-        <p:txBody>
-          <a:bodyPr bIns="0" lIns="0" rIns="0" tIns="0" wrap="square">
-            <a:spAutoFit/>
-          </a:bodyPr>
-          <a:p/>
-        </p:txBody>
-      </p:sp>
-      <p:sp>
-        <p:nvSpPr>
-          <p:cNvPr id="1048693" name="Holder 4"/>
-          <p:cNvSpPr>
-            <a:spLocks noGrp="1"/>
-          </p:cNvSpPr>
-          <p:nvPr>
-            <p:ph sz="half" idx="3"/>
-          </p:nvPr>
-        </p:nvSpPr>
-        <p:spPr>
-          <a:xfrm>
-            <a:off x="6278880" y="1577340"/>
-            <a:ext cx="5303520" cy="266700"/>
-          </a:xfrm>
-          <a:prstGeom prst="rect"/>
-        </p:spPr>
-        <p:txBody>
-          <a:bodyPr bIns="0" lIns="0" rIns="0" tIns="0" wrap="square">
-            <a:spAutoFit/>
-          </a:bodyPr>
-          <a:p/>
-        </p:txBody>
-      </p:sp>
-      <p:sp>
-        <p:nvSpPr>
-          <p:cNvPr id="1048694" name="Holder 5"/>
+          <p:cNvPr id="1048686" name="Holder 2"/>
           <p:cNvSpPr>
             <a:spLocks noGrp="1"/>
           </p:cNvSpPr>
@@ -1019,7 +1303,7 @@
       </p:sp>
       <p:sp>
         <p:nvSpPr>
-          <p:cNvPr id="1048695" name="Holder 6"/>
+          <p:cNvPr id="1048687" name="Holder 3"/>
           <p:cNvSpPr>
             <a:spLocks noGrp="1"/>
           </p:cNvSpPr>
@@ -1052,291 +1336,7 @@
       </p:sp>
       <p:sp>
         <p:nvSpPr>
-          <p:cNvPr id="1048696" name="Holder 7"/>
-          <p:cNvSpPr>
-            <a:spLocks noGrp="1"/>
-          </p:cNvSpPr>
-          <p:nvPr>
-            <p:ph type="sldNum" sz="quarter" idx="7"/>
-          </p:nvPr>
-        </p:nvSpPr>
-        <p:spPr/>
-        <p:txBody>
-          <a:bodyPr bIns="0" lIns="0" rIns="0" tIns="0"/>
-          <a:lstStyle>
-            <a:lvl1pPr>
-              <a:defRPr b="0" sz="1100" i="0">
-                <a:solidFill>
-                  <a:srgbClr val="2D936B"/>
-                </a:solidFill>
-                <a:latin typeface="Trebuchet MS"/>
-                <a:cs typeface="Trebuchet MS"/>
-              </a:defRPr>
-            </a:lvl1pPr>
-          </a:lstStyle>
-          <a:p>
-            <a:pPr marL="38100">
-              <a:lnSpc>
-                <a:spcPct val="100000"/>
-              </a:lnSpc>
-              <a:spcBef>
-                <a:spcPts val="55"/>
-              </a:spcBef>
-            </a:pPr>
-            <a:fld id="{81D60167-4931-47E6-BA6A-407CBD079E47}" type="slidenum">
-              <a:rPr dirty="0" spc="10"/>
-              <a:t>‹#›</a:t>
-            </a:fld>
-            <a:endParaRPr dirty="0" spc="10"/>
-          </a:p>
-        </p:txBody>
-      </p:sp>
-    </p:spTree>
-  </p:cSld>
-  <p:clrMapOvr>
-    <a:masterClrMapping/>
-  </p:clrMapOvr>
-</p:sldLayout>
-</file>
-
-<file path=ppt/slideLayouts/slideLayout4.xml><?xml version="1.0" encoding="utf-8"?>
-<p:sldLayout xmlns:a="http://schemas.openxmlformats.org/drawingml/2006/main" xmlns:r="http://schemas.openxmlformats.org/officeDocument/2006/relationships" xmlns:p="http://schemas.openxmlformats.org/presentationml/2006/main" preserve="1" type="obj">
-  <p:cSld name="Title Only">
-    <p:spTree>
-      <p:nvGrpSpPr>
-        <p:cNvPr id="18" name=""/>
-        <p:cNvGrpSpPr/>
-        <p:nvPr/>
-      </p:nvGrpSpPr>
-      <p:grpSpPr>
-        <a:xfrm>
-          <a:off x="0" y="0"/>
-          <a:ext cx="0" cy="0"/>
-          <a:chOff x="0" y="0"/>
-          <a:chExt cx="0" cy="0"/>
-        </a:xfrm>
-      </p:grpSpPr>
-      <p:sp>
-        <p:nvSpPr>
-          <p:cNvPr id="1048591" name="Holder 2"/>
-          <p:cNvSpPr>
-            <a:spLocks noGrp="1"/>
-          </p:cNvSpPr>
-          <p:nvPr>
-            <p:ph type="title"/>
-          </p:nvPr>
-        </p:nvSpPr>
-        <p:spPr>
-          <a:xfrm>
-            <a:off x="755332" y="385444"/>
-            <a:ext cx="10681335" cy="723901"/>
-          </a:xfrm>
-        </p:spPr>
-        <p:txBody>
-          <a:bodyPr bIns="0" lIns="0" rIns="0" tIns="0"/>
-          <a:lstStyle>
-            <a:lvl1pPr>
-              <a:defRPr b="1" sz="4800" i="0">
-                <a:solidFill>
-                  <a:schemeClr val="tx1"/>
-                </a:solidFill>
-                <a:latin typeface="Trebuchet MS"/>
-                <a:cs typeface="Trebuchet MS"/>
-              </a:defRPr>
-            </a:lvl1pPr>
-          </a:lstStyle>
-          <a:p/>
-        </p:txBody>
-      </p:sp>
-      <p:sp>
-        <p:nvSpPr>
-          <p:cNvPr id="1048592" name="Holder 3"/>
-          <p:cNvSpPr>
-            <a:spLocks noGrp="1"/>
-          </p:cNvSpPr>
-          <p:nvPr>
-            <p:ph type="ftr" sz="quarter" idx="5"/>
-          </p:nvPr>
-        </p:nvSpPr>
-        <p:spPr/>
-        <p:txBody>
-          <a:bodyPr bIns="0" lIns="0" rIns="0" tIns="0"/>
-          <a:lstStyle>
-            <a:lvl1pPr algn="ctr">
-              <a:defRPr>
-                <a:solidFill>
-                  <a:schemeClr val="tx1">
-                    <a:tint val="75000"/>
-                  </a:schemeClr>
-                </a:solidFill>
-              </a:defRPr>
-            </a:lvl1pPr>
-          </a:lstStyle>
-          <a:p/>
-        </p:txBody>
-      </p:sp>
-      <p:sp>
-        <p:nvSpPr>
-          <p:cNvPr id="1048593" name="Holder 4"/>
-          <p:cNvSpPr>
-            <a:spLocks noGrp="1"/>
-          </p:cNvSpPr>
-          <p:nvPr>
-            <p:ph type="dt" sz="half" idx="6"/>
-          </p:nvPr>
-        </p:nvSpPr>
-        <p:spPr/>
-        <p:txBody>
-          <a:bodyPr bIns="0" lIns="0" rIns="0" tIns="0"/>
-          <a:lstStyle>
-            <a:lvl1pPr algn="l">
-              <a:defRPr>
-                <a:solidFill>
-                  <a:schemeClr val="tx1">
-                    <a:tint val="75000"/>
-                  </a:schemeClr>
-                </a:solidFill>
-              </a:defRPr>
-            </a:lvl1pPr>
-          </a:lstStyle>
-          <a:p>
-            <a:fld id="{1D8BD707-D9CF-40AE-B4C6-C98DA3205C09}" type="datetimeFigureOut">
-              <a:rPr lang="en-US"/>
-              <a:t>8/18/2025</a:t>
-            </a:fld>
-            <a:endParaRPr lang="en-US"/>
-          </a:p>
-        </p:txBody>
-      </p:sp>
-      <p:sp>
-        <p:nvSpPr>
-          <p:cNvPr id="1048594" name="Holder 5"/>
-          <p:cNvSpPr>
-            <a:spLocks noGrp="1"/>
-          </p:cNvSpPr>
-          <p:nvPr>
-            <p:ph type="sldNum" sz="quarter" idx="7"/>
-          </p:nvPr>
-        </p:nvSpPr>
-        <p:spPr/>
-        <p:txBody>
-          <a:bodyPr bIns="0" lIns="0" rIns="0" tIns="0"/>
-          <a:lstStyle>
-            <a:lvl1pPr>
-              <a:defRPr b="0" sz="1100" i="0">
-                <a:solidFill>
-                  <a:srgbClr val="2D936B"/>
-                </a:solidFill>
-                <a:latin typeface="Trebuchet MS"/>
-                <a:cs typeface="Trebuchet MS"/>
-              </a:defRPr>
-            </a:lvl1pPr>
-          </a:lstStyle>
-          <a:p>
-            <a:pPr marL="38100">
-              <a:lnSpc>
-                <a:spcPct val="100000"/>
-              </a:lnSpc>
-              <a:spcBef>
-                <a:spcPts val="55"/>
-              </a:spcBef>
-            </a:pPr>
-            <a:fld id="{81D60167-4931-47E6-BA6A-407CBD079E47}" type="slidenum">
-              <a:rPr dirty="0" spc="10"/>
-              <a:t>‹#›</a:t>
-            </a:fld>
-            <a:endParaRPr dirty="0" spc="10"/>
-          </a:p>
-        </p:txBody>
-      </p:sp>
-    </p:spTree>
-  </p:cSld>
-  <p:clrMapOvr>
-    <a:masterClrMapping/>
-  </p:clrMapOvr>
-</p:sldLayout>
-</file>
-
-<file path=ppt/slideLayouts/slideLayout5.xml><?xml version="1.0" encoding="utf-8"?>
-<p:sldLayout xmlns:a="http://schemas.openxmlformats.org/drawingml/2006/main" xmlns:r="http://schemas.openxmlformats.org/officeDocument/2006/relationships" xmlns:p="http://schemas.openxmlformats.org/presentationml/2006/main" preserve="1" type="obj">
-  <p:cSld name="Blank">
-    <p:spTree>
-      <p:nvGrpSpPr>
-        <p:cNvPr id="43" name=""/>
-        <p:cNvGrpSpPr/>
-        <p:nvPr/>
-      </p:nvGrpSpPr>
-      <p:grpSpPr>
-        <a:xfrm>
-          <a:off x="0" y="0"/>
-          <a:ext cx="0" cy="0"/>
-          <a:chOff x="0" y="0"/>
-          <a:chExt cx="0" cy="0"/>
-        </a:xfrm>
-      </p:grpSpPr>
-      <p:sp>
-        <p:nvSpPr>
-          <p:cNvPr id="1048697" name="Holder 2"/>
-          <p:cNvSpPr>
-            <a:spLocks noGrp="1"/>
-          </p:cNvSpPr>
-          <p:nvPr>
-            <p:ph type="ftr" sz="quarter" idx="5"/>
-          </p:nvPr>
-        </p:nvSpPr>
-        <p:spPr/>
-        <p:txBody>
-          <a:bodyPr bIns="0" lIns="0" rIns="0" tIns="0"/>
-          <a:lstStyle>
-            <a:lvl1pPr algn="ctr">
-              <a:defRPr>
-                <a:solidFill>
-                  <a:schemeClr val="tx1">
-                    <a:tint val="75000"/>
-                  </a:schemeClr>
-                </a:solidFill>
-              </a:defRPr>
-            </a:lvl1pPr>
-          </a:lstStyle>
-          <a:p/>
-        </p:txBody>
-      </p:sp>
-      <p:sp>
-        <p:nvSpPr>
-          <p:cNvPr id="1048698" name="Holder 3"/>
-          <p:cNvSpPr>
-            <a:spLocks noGrp="1"/>
-          </p:cNvSpPr>
-          <p:nvPr>
-            <p:ph type="dt" sz="half" idx="6"/>
-          </p:nvPr>
-        </p:nvSpPr>
-        <p:spPr/>
-        <p:txBody>
-          <a:bodyPr bIns="0" lIns="0" rIns="0" tIns="0"/>
-          <a:lstStyle>
-            <a:lvl1pPr algn="l">
-              <a:defRPr>
-                <a:solidFill>
-                  <a:schemeClr val="tx1">
-                    <a:tint val="75000"/>
-                  </a:schemeClr>
-                </a:solidFill>
-              </a:defRPr>
-            </a:lvl1pPr>
-          </a:lstStyle>
-          <a:p>
-            <a:fld id="{1D8BD707-D9CF-40AE-B4C6-C98DA3205C09}" type="datetimeFigureOut">
-              <a:rPr lang="en-US"/>
-              <a:t>8/18/2025</a:t>
-            </a:fld>
-            <a:endParaRPr lang="en-US"/>
-          </a:p>
-        </p:txBody>
-      </p:sp>
-      <p:sp>
-        <p:nvSpPr>
-          <p:cNvPr id="1048699" name="Holder 4"/>
+          <p:cNvPr id="1048688" name="Holder 4"/>
           <p:cNvSpPr>
             <a:spLocks noGrp="1"/>
           </p:cNvSpPr>
@@ -2037,11 +2037,11 @@
   </p:cSld>
   <p:clrMap accent1="accent1" accent2="accent2" accent3="accent3" accent4="accent4" accent5="accent5" accent6="accent6" bg1="lt1" bg2="lt2" tx1="dk1" tx2="dk2" hlink="hlink" folHlink="folHlink"/>
   <p:sldLayoutIdLst>
-    <p:sldLayoutId id="2147483655" r:id="rId1"/>
-    <p:sldLayoutId id="2147483656" r:id="rId2"/>
-    <p:sldLayoutId id="2147483657" r:id="rId3"/>
-    <p:sldLayoutId id="2147483658" r:id="rId4"/>
-    <p:sldLayoutId id="2147483659" r:id="rId5"/>
+    <p:sldLayoutId id="2147483649" r:id="rId1"/>
+    <p:sldLayoutId id="2147483650" r:id="rId2"/>
+    <p:sldLayoutId id="2147483651" r:id="rId3"/>
+    <p:sldLayoutId id="2147483652" r:id="rId4"/>
+    <p:sldLayoutId id="2147483653" r:id="rId5"/>
   </p:sldLayoutIdLst>
   <p:txStyles>
     <p:titleStyle>
@@ -2192,7 +2192,7 @@
   <p:cSld>
     <p:spTree>
       <p:nvGrpSpPr>
-        <p:cNvPr id="33" name=""/>
+        <p:cNvPr id="19" name=""/>
         <p:cNvGrpSpPr/>
         <p:nvPr/>
       </p:nvGrpSpPr>
@@ -2206,7 +2206,7 @@
       </p:grpSpPr>
       <p:grpSp>
         <p:nvGrpSpPr>
-          <p:cNvPr id="34" name="object 2"/>
+          <p:cNvPr id="20" name="object 2"/>
           <p:cNvGrpSpPr/>
           <p:nvPr/>
         </p:nvGrpSpPr>
@@ -2220,7 +2220,7 @@
         </p:grpSpPr>
         <p:sp>
           <p:nvSpPr>
-            <p:cNvPr id="1048657" name="object 3"/>
+            <p:cNvPr id="1048596" name="object 3"/>
             <p:cNvSpPr/>
             <p:nvPr/>
           </p:nvSpPr>
@@ -2271,7 +2271,7 @@
         </p:sp>
         <p:sp>
           <p:nvSpPr>
-            <p:cNvPr id="1048658" name="object 4"/>
+            <p:cNvPr id="1048597" name="object 4"/>
             <p:cNvSpPr/>
             <p:nvPr/>
           </p:nvSpPr>
@@ -2323,7 +2323,7 @@
       </p:grpSp>
       <p:sp>
         <p:nvSpPr>
-          <p:cNvPr id="1048659" name="object 5"/>
+          <p:cNvPr id="1048598" name="object 5"/>
           <p:cNvSpPr/>
           <p:nvPr/>
         </p:nvSpPr>
@@ -2374,14 +2374,14 @@
       </p:sp>
       <p:sp>
         <p:nvSpPr>
-          <p:cNvPr id="1048660" name="object 6"/>
+          <p:cNvPr id="1048599" name="object 6"/>
           <p:cNvSpPr/>
           <p:nvPr/>
         </p:nvSpPr>
         <p:spPr>
-          <a:xfrm>
-            <a:off x="3800475" y="5229225"/>
-            <a:ext cx="723900" cy="619125"/>
+          <a:xfrm flipH="1">
+            <a:off x="1313720" y="5650583"/>
+            <a:ext cx="1582607" cy="847407"/>
           </a:xfrm>
           <a:custGeom>
             <a:avLst/>
@@ -2425,7 +2425,7 @@
       </p:sp>
       <p:sp>
         <p:nvSpPr>
-          <p:cNvPr id="1048661" name="object 7"/>
+          <p:cNvPr id="1048600" name="object 7"/>
           <p:cNvSpPr txBox="1">
             <a:spLocks noGrp="1"/>
           </p:cNvSpPr>
@@ -2435,7 +2435,7 @@
         </p:nvSpPr>
         <p:spPr>
           <a:xfrm>
-            <a:off x="1523999" y="19665"/>
+            <a:off x="1121890" y="265269"/>
             <a:ext cx="7629525" cy="1001556"/>
           </a:xfrm>
           <a:prstGeom prst="rect"/>
@@ -2476,7 +2476,7 @@
       </p:sp>
       <p:pic>
         <p:nvPicPr>
-          <p:cNvPr id="2097164" name="object 9"/>
+          <p:cNvPr id="2097152" name="object 9"/>
           <p:cNvPicPr>
             <a:picLocks/>
           </p:cNvPicPr>
@@ -2498,7 +2498,7 @@
       </p:pic>
       <p:sp>
         <p:nvSpPr>
-          <p:cNvPr id="1048662" name="object 11"/>
+          <p:cNvPr id="1048601" name="object 11"/>
           <p:cNvSpPr txBox="1">
             <a:spLocks noGrp="1"/>
           </p:cNvSpPr>
@@ -2532,14 +2532,14 @@
       </p:sp>
       <p:sp>
         <p:nvSpPr>
-          <p:cNvPr id="1048663" name="TextBox 13"/>
+          <p:cNvPr id="1048602" name="TextBox 13"/>
           <p:cNvSpPr txBox="1"/>
           <p:nvPr/>
         </p:nvSpPr>
         <p:spPr>
           <a:xfrm>
-            <a:off x="2554542" y="3314150"/>
-            <a:ext cx="8610600" cy="1869440"/>
+            <a:off x="1971674" y="2828924"/>
+            <a:ext cx="8610600" cy="3025140"/>
           </a:xfrm>
           <a:prstGeom prst="rect"/>
           <a:noFill/>
@@ -2550,250 +2550,310 @@
           </a:bodyPr>
           <a:p>
             <a:r>
-              <a:rPr dirty="0" sz="2400" lang="en-US"/>
+              <a:rPr dirty="0" sz="2800" lang="en-US"/>
               <a:t>STUDENT NAME: </a:t>
             </a:r>
             <a:r>
-              <a:rPr dirty="0" sz="2400" lang="en-US"/>
+              <a:rPr dirty="0" sz="2800" lang="en-US"/>
               <a:t>N</a:t>
             </a:r>
             <a:r>
-              <a:rPr dirty="0" sz="2400" lang="en-US"/>
+              <a:rPr dirty="0" sz="2800" lang="en-US"/>
               <a:t>A</a:t>
             </a:r>
             <a:r>
-              <a:rPr dirty="0" sz="2400" lang="en-US"/>
+              <a:rPr dirty="0" sz="2800" lang="en-US"/>
               <a:t>N</a:t>
             </a:r>
             <a:r>
-              <a:rPr dirty="0" sz="2400" lang="en-US"/>
+              <a:rPr dirty="0" sz="2800" lang="en-US"/>
               <a:t>D</a:t>
             </a:r>
             <a:r>
-              <a:rPr dirty="0" sz="2400" lang="en-US"/>
+              <a:rPr dirty="0" sz="2800" lang="en-US"/>
               <a:t>H</a:t>
             </a:r>
             <a:r>
-              <a:rPr dirty="0" sz="2400" lang="en-US"/>
+              <a:rPr dirty="0" sz="2800" lang="en-US"/>
               <a:t>I</a:t>
             </a:r>
             <a:r>
-              <a:rPr dirty="0" sz="2400" lang="en-US"/>
+              <a:rPr dirty="0" sz="2800" lang="en-US"/>
               <a:t>K</a:t>
             </a:r>
             <a:r>
-              <a:rPr dirty="0" sz="2400" lang="en-US"/>
+              <a:rPr dirty="0" sz="2800" lang="en-US"/>
               <a:t>E</a:t>
             </a:r>
             <a:r>
-              <a:rPr dirty="0" sz="2400" lang="en-US"/>
+              <a:rPr dirty="0" sz="2800" lang="en-US"/>
               <a:t>S</a:t>
             </a:r>
             <a:r>
-              <a:rPr dirty="0" sz="2400" lang="en-US"/>
+              <a:rPr dirty="0" sz="2800" lang="en-US"/>
               <a:t>A</a:t>
             </a:r>
             <a:r>
-              <a:rPr dirty="0" sz="2400" lang="en-US"/>
+              <a:rPr dirty="0" sz="2800" lang="en-US"/>
               <a:t>V</a:t>
             </a:r>
             <a:r>
-              <a:rPr dirty="0" sz="2400" lang="en-US"/>
+              <a:rPr dirty="0" sz="2800" lang="en-US"/>
               <a:t>A</a:t>
             </a:r>
             <a:r>
-              <a:rPr dirty="0" sz="2400" lang="en-US"/>
+              <a:rPr dirty="0" sz="2800" lang="en-US"/>
               <a:t>N</a:t>
             </a:r>
             <a:r>
-              <a:rPr dirty="0" sz="2400" lang="en-US"/>
+              <a:rPr dirty="0" sz="2800" lang="en-US"/>
               <a:t> </a:t>
             </a:r>
             <a:r>
-              <a:rPr dirty="0" sz="2400" lang="en-US"/>
+              <a:rPr dirty="0" sz="2800" lang="en-US"/>
               <a:t>V</a:t>
             </a:r>
-            <a:endParaRPr altLang="en-US" lang="zh-CN"/>
-          </a:p>
-          <a:p>
-            <a:r>
-              <a:rPr dirty="0" sz="2400" lang="en-US"/>
+            <a:endParaRPr altLang="en-US" sz="3200" lang="zh-CN"/>
+          </a:p>
+          <a:p>
+            <a:r>
+              <a:rPr dirty="0" sz="2800" lang="en-US"/>
               <a:t>REGISTER NO AND NMID: </a:t>
             </a:r>
-            <a:endParaRPr dirty="0" sz="2400" lang="en-US">
+            <a:r>
+              <a:rPr dirty="0" sz="2800" lang="en-US"/>
+              <a:t>3</a:t>
+            </a:r>
+            <a:r>
+              <a:rPr dirty="0" sz="2800" lang="en-US"/>
+              <a:t>5</a:t>
+            </a:r>
+            <a:r>
+              <a:rPr dirty="0" sz="2800" lang="en-US"/>
+              <a:t>5</a:t>
+            </a:r>
+            <a:r>
+              <a:rPr dirty="0" sz="2800" lang="en-US"/>
+              <a:t>2</a:t>
+            </a:r>
+            <a:r>
+              <a:rPr dirty="0" sz="2800" lang="en-US"/>
+              <a:t>4</a:t>
+            </a:r>
+            <a:r>
+              <a:rPr dirty="0" sz="2800" lang="en-US"/>
+              <a:t>U</a:t>
+            </a:r>
+            <a:r>
+              <a:rPr dirty="0" sz="2800" lang="en-US"/>
+              <a:t>1</a:t>
+            </a:r>
+            <a:r>
+              <a:rPr dirty="0" sz="2800" lang="en-US"/>
+              <a:t>8</a:t>
+            </a:r>
+            <a:r>
+              <a:rPr dirty="0" sz="2800" lang="en-US"/>
+              <a:t>0</a:t>
+            </a:r>
+            <a:r>
+              <a:rPr dirty="0" sz="2800" lang="en-US"/>
+              <a:t>4</a:t>
+            </a:r>
+            <a:r>
+              <a:rPr dirty="0" sz="2800" lang="en-US"/>
+              <a:t>8</a:t>
+            </a:r>
+            <a:r>
+              <a:rPr dirty="0" sz="2800" lang="en-US"/>
+              <a:t> </a:t>
+            </a:r>
+            <a:r>
+              <a:rPr dirty="0" sz="2800" lang="en-US"/>
+              <a:t>&amp;</a:t>
+            </a:r>
+            <a:r>
+              <a:rPr dirty="0" sz="2800" lang="en-US"/>
+              <a:t> </a:t>
+            </a:r>
+            <a:r>
+              <a:rPr dirty="0" sz="2800" lang="en-US"/>
+              <a:t>6E4E88B7573249C84D74F779BC3F4337</a:t>
+            </a:r>
+            <a:endParaRPr dirty="0" sz="3200" lang="en-US">
               <a:cs typeface="Calibri"/>
             </a:endParaRPr>
           </a:p>
           <a:p>
             <a:r>
-              <a:rPr dirty="0" sz="2400" lang="en-US"/>
+              <a:rPr dirty="0" sz="2800" lang="en-US"/>
               <a:t>DEPARTMENT: </a:t>
             </a:r>
             <a:r>
-              <a:rPr dirty="0" sz="2400" lang="en-US"/>
+              <a:rPr dirty="0" sz="2800" lang="en-US"/>
               <a:t>B</a:t>
             </a:r>
             <a:r>
-              <a:rPr dirty="0" sz="2400" lang="en-US"/>
+              <a:rPr dirty="0" sz="2800" lang="en-US"/>
               <a:t>S</a:t>
             </a:r>
             <a:r>
-              <a:rPr dirty="0" sz="2400" lang="en-US"/>
+              <a:rPr dirty="0" sz="2800" lang="en-US"/>
               <a:t>C</a:t>
             </a:r>
             <a:r>
-              <a:rPr dirty="0" sz="2400" lang="en-US"/>
+              <a:rPr dirty="0" sz="2800" lang="en-US"/>
               <a:t> </a:t>
             </a:r>
             <a:r>
-              <a:rPr dirty="0" sz="2400" lang="en-US"/>
+              <a:rPr dirty="0" sz="2800" lang="en-US"/>
               <a:t>C</a:t>
             </a:r>
             <a:r>
-              <a:rPr dirty="0" sz="2400" lang="en-US"/>
+              <a:rPr dirty="0" sz="2800" lang="en-US"/>
               <a:t>o</a:t>
             </a:r>
             <a:r>
-              <a:rPr dirty="0" sz="2400" lang="en-US"/>
+              <a:rPr dirty="0" sz="2800" lang="en-US"/>
               <a:t>m</a:t>
             </a:r>
             <a:r>
-              <a:rPr dirty="0" sz="2400" lang="en-US"/>
+              <a:rPr dirty="0" sz="2800" lang="en-US"/>
               <a:t>puter </a:t>
             </a:r>
             <a:r>
-              <a:rPr dirty="0" sz="2400" lang="en-US"/>
+              <a:rPr dirty="0" sz="2800" lang="en-US"/>
               <a:t>science </a:t>
             </a:r>
-            <a:endParaRPr altLang="en-US" lang="zh-CN"/>
-          </a:p>
-          <a:p>
-            <a:r>
-              <a:rPr dirty="0" sz="2400" lang="en-US"/>
+            <a:endParaRPr altLang="en-US" sz="3200" lang="zh-CN"/>
+          </a:p>
+          <a:p>
+            <a:r>
+              <a:rPr dirty="0" sz="2800" lang="en-US"/>
               <a:t>COLLEGE: COLLEGE/ UNIVERSITY</a:t>
             </a:r>
             <a:r>
-              <a:rPr dirty="0" sz="2400" lang="en-US"/>
+              <a:rPr dirty="0" sz="2800" lang="en-US"/>
               <a:t>OLLEGE</a:t>
             </a:r>
             <a:r>
-              <a:rPr dirty="0" sz="2400" lang="en-US"/>
+              <a:rPr dirty="0" sz="2800" lang="en-US"/>
               <a:t>    </a:t>
             </a:r>
             <a:r>
-              <a:rPr dirty="0" sz="2400" lang="en-US"/>
+              <a:rPr dirty="0" sz="2800" lang="en-US"/>
               <a:t>G</a:t>
             </a:r>
             <a:r>
-              <a:rPr dirty="0" sz="2400" lang="en-US"/>
+              <a:rPr dirty="0" sz="2800" lang="en-US"/>
               <a:t>o</a:t>
             </a:r>
             <a:r>
-              <a:rPr dirty="0" sz="2400" lang="en-US"/>
+              <a:rPr dirty="0" sz="2800" lang="en-US"/>
               <a:t>v</a:t>
             </a:r>
             <a:r>
-              <a:rPr dirty="0" sz="2400" lang="en-US"/>
+              <a:rPr dirty="0" sz="2800" lang="en-US"/>
               <a:t>e</a:t>
             </a:r>
             <a:r>
-              <a:rPr dirty="0" sz="2400" lang="en-US"/>
+              <a:rPr dirty="0" sz="2800" lang="en-US"/>
               <a:t>r</a:t>
             </a:r>
             <a:r>
-              <a:rPr dirty="0" sz="2400" lang="en-US"/>
+              <a:rPr dirty="0" sz="2800" lang="en-US"/>
               <a:t>n</a:t>
             </a:r>
             <a:r>
-              <a:rPr dirty="0" sz="2400" lang="en-US"/>
+              <a:rPr dirty="0" sz="2800" lang="en-US"/>
               <a:t>ment </a:t>
             </a:r>
             <a:r>
-              <a:rPr dirty="0" sz="2400" lang="en-US"/>
+              <a:rPr dirty="0" sz="2800" lang="en-US"/>
               <a:t>Arts </a:t>
             </a:r>
             <a:r>
-              <a:rPr dirty="0" sz="2400" lang="en-US"/>
+              <a:rPr dirty="0" sz="2800" lang="en-US"/>
               <a:t>A</a:t>
             </a:r>
             <a:r>
-              <a:rPr dirty="0" sz="2400" lang="en-US"/>
+              <a:rPr dirty="0" sz="2800" lang="en-US"/>
               <a:t>nd </a:t>
             </a:r>
             <a:r>
-              <a:rPr dirty="0" sz="2400" lang="en-US"/>
+              <a:rPr dirty="0" sz="2800" lang="en-US"/>
               <a:t>S</a:t>
             </a:r>
             <a:r>
-              <a:rPr dirty="0" sz="2400" lang="en-US"/>
+              <a:rPr dirty="0" sz="2800" lang="en-US"/>
               <a:t>c</a:t>
             </a:r>
             <a:r>
-              <a:rPr dirty="0" sz="2400" lang="en-US"/>
+              <a:rPr dirty="0" sz="2800" lang="en-US"/>
               <a:t>i</a:t>
             </a:r>
             <a:r>
-              <a:rPr dirty="0" sz="2400" lang="en-US"/>
+              <a:rPr dirty="0" sz="2800" lang="en-US"/>
               <a:t>ence </a:t>
             </a:r>
             <a:r>
-              <a:rPr dirty="0" sz="2400" lang="en-US"/>
+              <a:rPr dirty="0" sz="2800" lang="en-US"/>
               <a:t>C</a:t>
             </a:r>
             <a:r>
-              <a:rPr dirty="0" sz="2400" lang="en-US"/>
+              <a:rPr dirty="0" sz="2800" lang="en-US"/>
               <a:t>o</a:t>
             </a:r>
             <a:r>
-              <a:rPr dirty="0" sz="2400" lang="en-US"/>
+              <a:rPr dirty="0" sz="2800" lang="en-US"/>
               <a:t>llege</a:t>
             </a:r>
             <a:r>
-              <a:rPr dirty="0" sz="2400" lang="en-US"/>
+              <a:rPr dirty="0" sz="2800" lang="en-US"/>
               <a:t>/</a:t>
             </a:r>
             <a:r>
-              <a:rPr dirty="0" sz="2400" lang="en-US"/>
+              <a:rPr dirty="0" sz="2800" lang="en-US"/>
               <a:t> </a:t>
             </a:r>
             <a:r>
-              <a:rPr dirty="0" sz="2400" lang="en-US"/>
+              <a:rPr dirty="0" sz="2800" lang="en-US"/>
               <a:t>T</a:t>
             </a:r>
             <a:r>
-              <a:rPr dirty="0" sz="2400" lang="en-US"/>
+              <a:rPr dirty="0" sz="2800" lang="en-US"/>
               <a:t>h</a:t>
             </a:r>
             <a:r>
-              <a:rPr dirty="0" sz="2400" lang="en-US"/>
+              <a:rPr dirty="0" sz="2800" lang="en-US"/>
               <a:t>i</a:t>
             </a:r>
             <a:r>
-              <a:rPr dirty="0" sz="2400" lang="en-US"/>
+              <a:rPr dirty="0" sz="2800" lang="en-US"/>
               <a:t>r</a:t>
             </a:r>
             <a:r>
-              <a:rPr dirty="0" sz="2400" lang="en-US"/>
+              <a:rPr dirty="0" sz="2800" lang="en-US"/>
               <a:t>u</a:t>
             </a:r>
             <a:r>
-              <a:rPr dirty="0" sz="2400" lang="en-US"/>
+              <a:rPr dirty="0" sz="2800" lang="en-US"/>
               <a:t>valluvar </a:t>
             </a:r>
             <a:r>
-              <a:rPr dirty="0" sz="2400" lang="en-US"/>
+              <a:rPr dirty="0" sz="2800" lang="en-US"/>
               <a:t>U</a:t>
             </a:r>
             <a:r>
-              <a:rPr dirty="0" sz="2400" lang="en-US"/>
+              <a:rPr dirty="0" sz="2800" lang="en-US"/>
               <a:t>n</a:t>
             </a:r>
             <a:r>
-              <a:rPr dirty="0" sz="2400" lang="en-US"/>
+              <a:rPr dirty="0" sz="2800" lang="en-US"/>
               <a:t>i</a:t>
             </a:r>
             <a:r>
-              <a:rPr dirty="0" sz="2400" lang="en-US"/>
+              <a:rPr dirty="0" sz="2800" lang="en-US"/>
               <a:t>versity </a:t>
             </a:r>
             <a:endParaRPr dirty="0" sz="2400" lang="en-IN"/>
@@ -2813,7 +2873,7 @@
   <p:cSld>
     <p:spTree>
       <p:nvGrpSpPr>
-        <p:cNvPr id="39" name=""/>
+        <p:cNvPr id="40" name=""/>
         <p:cNvGrpSpPr/>
         <p:nvPr/>
       </p:nvGrpSpPr>
@@ -3146,8 +3206,8 @@
         </p:blipFill>
         <p:spPr>
           <a:xfrm>
-            <a:off x="-481012" y="1293748"/>
-            <a:ext cx="3656682" cy="3419475"/>
+            <a:off x="0" y="1719262"/>
+            <a:ext cx="2745158" cy="3419475"/>
           </a:xfrm>
           <a:prstGeom prst="rect"/>
         </p:spPr>
@@ -3164,7 +3224,7 @@
         </p:nvSpPr>
         <p:spPr>
           <a:xfrm>
-            <a:off x="739775" y="654938"/>
+            <a:off x="341223" y="167465"/>
             <a:ext cx="8480425" cy="638810"/>
           </a:xfrm>
           <a:prstGeom prst="rect"/>
@@ -3249,8 +3309,8 @@
         </p:blipFill>
         <p:spPr>
           <a:xfrm rot="21600000">
-            <a:off x="3116354" y="1362586"/>
-            <a:ext cx="8360682" cy="5495412"/>
+            <a:off x="2721158" y="990624"/>
+            <a:ext cx="9364978" cy="5931481"/>
           </a:xfrm>
           <a:prstGeom prst="rect"/>
         </p:spPr>
@@ -3268,7 +3328,7 @@
   <p:cSld>
     <p:spTree>
       <p:nvGrpSpPr>
-        <p:cNvPr id="40" name=""/>
+        <p:cNvPr id="41" name=""/>
         <p:cNvGrpSpPr/>
         <p:nvPr/>
       </p:nvGrpSpPr>
@@ -3449,7 +3509,7 @@
         </p:nvSpPr>
         <p:spPr>
           <a:xfrm>
-            <a:off x="755332" y="385444"/>
+            <a:off x="204797" y="190357"/>
             <a:ext cx="4578668" cy="752129"/>
           </a:xfrm>
           <a:prstGeom prst="rect"/>
@@ -3526,8 +3586,8 @@
         </p:nvSpPr>
         <p:spPr>
           <a:xfrm rot="21600000">
-            <a:off x="1261662" y="1137573"/>
-            <a:ext cx="10868826" cy="6797041"/>
+            <a:off x="661587" y="1152035"/>
+            <a:ext cx="10868826" cy="6377941"/>
           </a:xfrm>
           <a:prstGeom prst="rect"/>
         </p:spPr>
@@ -3545,7 +3605,15 @@
               <a:t>Here’s a simple conclusion for a website creation project:
 Conclusion:
 Creating a website involves planning, designing, and developing to meet the needs of users while achieving business goals. It requires the use of tools like HTML, CSS, and JavaScript to ensure both functionality and visual appeal. A well-structured website improves accessibility, user experience, and communication. By combining creativity with technology, websites become powerful platforms for sharing information and engaging with audiences.
-Do you want me to write this in short 3–4 lines (for a school/college project report) or in a detailed professional style (for documentation/portfolio)?
+Do you want me to write this in </a:t>
+            </a:r>
+            <a:r>
+              <a:rPr sz="2800" lang="en-US">
+                <a:solidFill>
+                  <a:srgbClr val="000000"/>
+                </a:solidFill>
+              </a:rPr>
+              <a:t>(for a school/college project report) or in a detailed professional style (for documentation/portfolio)?
 </a:t>
             </a:r>
             <a:endParaRPr sz="2800" lang="en-US">
@@ -3569,7 +3637,7 @@
   <p:cSld>
     <p:spTree>
       <p:nvGrpSpPr>
-        <p:cNvPr id="45" name=""/>
+        <p:cNvPr id="43" name=""/>
         <p:cNvGrpSpPr/>
         <p:nvPr/>
       </p:nvGrpSpPr>
@@ -3583,7 +3651,7 @@
       </p:grpSpPr>
       <p:sp>
         <p:nvSpPr>
-          <p:cNvPr id="1048706" name=""/>
+          <p:cNvPr id="1048689" name=""/>
           <p:cNvSpPr txBox="1"/>
           <p:nvPr/>
         </p:nvSpPr>
@@ -3617,14 +3685,14 @@
       </p:sp>
       <p:sp>
         <p:nvSpPr>
-          <p:cNvPr id="1048709" name=""/>
+          <p:cNvPr id="1048690" name=""/>
           <p:cNvSpPr txBox="1"/>
           <p:nvPr/>
         </p:nvSpPr>
         <p:spPr>
           <a:xfrm>
-            <a:off x="1023891" y="3251200"/>
-            <a:ext cx="9797041" cy="510540"/>
+            <a:off x="1112012" y="3428999"/>
+            <a:ext cx="11079988" cy="510540"/>
           </a:xfrm>
           <a:prstGeom prst="rect"/>
         </p:spPr>
@@ -3634,14 +3702,14 @@
           </a:bodyPr>
           <a:p>
             <a:r>
-              <a:rPr sz="2800" lang="en-US">
+              <a:rPr b="1" sz="2800" lang="en-US">
                 <a:solidFill>
                   <a:srgbClr val="000000"/>
                 </a:solidFill>
               </a:rPr>
               <a:t>https://github.com/24csnm48-stack/Naan-mudhalvan.git</a:t>
             </a:r>
-            <a:endParaRPr sz="2800" lang="en-US">
+            <a:endParaRPr b="1" sz="2800" lang="en-US">
               <a:solidFill>
                 <a:srgbClr val="000000"/>
               </a:solidFill>
@@ -3662,7 +3730,7 @@
   <p:cSld>
     <p:spTree>
       <p:nvGrpSpPr>
-        <p:cNvPr id="28" name=""/>
+        <p:cNvPr id="26" name=""/>
         <p:cNvGrpSpPr/>
         <p:nvPr/>
       </p:nvGrpSpPr>
@@ -3676,7 +3744,7 @@
       </p:grpSpPr>
       <p:sp>
         <p:nvSpPr>
-          <p:cNvPr id="1048630" name="object 2"/>
+          <p:cNvPr id="1048610" name="object 2"/>
           <p:cNvSpPr/>
           <p:nvPr/>
         </p:nvSpPr>
@@ -3947,7 +4015,7 @@
       </p:sp>
       <p:grpSp>
         <p:nvGrpSpPr>
-          <p:cNvPr id="29" name="object 3"/>
+          <p:cNvPr id="27" name="object 3"/>
           <p:cNvGrpSpPr/>
           <p:nvPr/>
         </p:nvGrpSpPr>
@@ -3961,7 +4029,7 @@
         </p:grpSpPr>
         <p:sp>
           <p:nvSpPr>
-            <p:cNvPr id="1048631" name="object 4"/>
+            <p:cNvPr id="1048611" name="object 4"/>
             <p:cNvSpPr/>
             <p:nvPr/>
           </p:nvSpPr>
@@ -3998,7 +4066,7 @@
         </p:sp>
         <p:sp>
           <p:nvSpPr>
-            <p:cNvPr id="1048632" name="object 5"/>
+            <p:cNvPr id="1048612" name="object 5"/>
             <p:cNvSpPr/>
             <p:nvPr/>
           </p:nvSpPr>
@@ -4035,7 +4103,7 @@
         </p:sp>
         <p:sp>
           <p:nvSpPr>
-            <p:cNvPr id="1048633" name="object 6"/>
+            <p:cNvPr id="1048613" name="object 6"/>
             <p:cNvSpPr/>
             <p:nvPr/>
           </p:nvSpPr>
@@ -4082,7 +4150,7 @@
         </p:sp>
         <p:sp>
           <p:nvSpPr>
-            <p:cNvPr id="1048634" name="object 7"/>
+            <p:cNvPr id="1048614" name="object 7"/>
             <p:cNvSpPr/>
             <p:nvPr/>
           </p:nvSpPr>
@@ -4129,7 +4197,7 @@
         </p:sp>
         <p:sp>
           <p:nvSpPr>
-            <p:cNvPr id="1048635" name="object 8"/>
+            <p:cNvPr id="1048615" name="object 8"/>
             <p:cNvSpPr/>
             <p:nvPr/>
           </p:nvSpPr>
@@ -4173,7 +4241,7 @@
         </p:sp>
         <p:sp>
           <p:nvSpPr>
-            <p:cNvPr id="1048636" name="object 9"/>
+            <p:cNvPr id="1048616" name="object 9"/>
             <p:cNvSpPr/>
             <p:nvPr/>
           </p:nvSpPr>
@@ -4220,7 +4288,7 @@
         </p:sp>
         <p:sp>
           <p:nvSpPr>
-            <p:cNvPr id="1048637" name="object 10"/>
+            <p:cNvPr id="1048617" name="object 10"/>
             <p:cNvSpPr/>
             <p:nvPr/>
           </p:nvSpPr>
@@ -4267,7 +4335,7 @@
         </p:sp>
         <p:sp>
           <p:nvSpPr>
-            <p:cNvPr id="1048638" name="object 11"/>
+            <p:cNvPr id="1048618" name="object 11"/>
             <p:cNvSpPr/>
             <p:nvPr/>
           </p:nvSpPr>
@@ -4314,7 +4382,7 @@
         </p:sp>
         <p:sp>
           <p:nvSpPr>
-            <p:cNvPr id="1048639" name="object 12"/>
+            <p:cNvPr id="1048619" name="object 12"/>
             <p:cNvSpPr/>
             <p:nvPr/>
           </p:nvSpPr>
@@ -4359,7 +4427,7 @@
       </p:grpSp>
       <p:sp>
         <p:nvSpPr>
-          <p:cNvPr id="1048640" name="object 13"/>
+          <p:cNvPr id="1048620" name="object 13"/>
           <p:cNvSpPr/>
           <p:nvPr/>
         </p:nvSpPr>
@@ -4403,7 +4471,7 @@
       </p:sp>
       <p:sp>
         <p:nvSpPr>
-          <p:cNvPr id="1048641" name="object 14"/>
+          <p:cNvPr id="1048621" name="object 14"/>
           <p:cNvSpPr/>
           <p:nvPr/>
         </p:nvSpPr>
@@ -4448,7 +4516,7 @@
       </p:sp>
       <p:sp>
         <p:nvSpPr>
-          <p:cNvPr id="1048642" name="object 15"/>
+          <p:cNvPr id="1048622" name="object 15"/>
           <p:cNvSpPr/>
           <p:nvPr/>
         </p:nvSpPr>
@@ -4493,7 +4561,7 @@
       </p:sp>
       <p:sp>
         <p:nvSpPr>
-          <p:cNvPr id="1048643" name="object 16"/>
+          <p:cNvPr id="1048623" name="object 16"/>
           <p:cNvSpPr/>
           <p:nvPr/>
         </p:nvSpPr>
@@ -4538,7 +4606,7 @@
       </p:sp>
       <p:sp>
         <p:nvSpPr>
-          <p:cNvPr id="1048644" name="object 17"/>
+          <p:cNvPr id="1048624" name="object 17"/>
           <p:cNvSpPr txBox="1">
             <a:spLocks noGrp="1"/>
           </p:cNvSpPr>
@@ -4584,7 +4652,7 @@
       </p:sp>
       <p:grpSp>
         <p:nvGrpSpPr>
-          <p:cNvPr id="30" name="object 18"/>
+          <p:cNvPr id="28" name="object 18"/>
           <p:cNvGrpSpPr/>
           <p:nvPr/>
         </p:nvGrpSpPr>
@@ -4598,7 +4666,7 @@
         </p:grpSpPr>
         <p:pic>
           <p:nvPicPr>
-            <p:cNvPr id="2097160" name="object 19"/>
+            <p:cNvPr id="2097153" name="object 19"/>
             <p:cNvPicPr>
               <a:picLocks/>
             </p:cNvPicPr>
@@ -4620,7 +4688,7 @@
         </p:pic>
         <p:pic>
           <p:nvPicPr>
-            <p:cNvPr id="2097161" name="object 20"/>
+            <p:cNvPr id="2097154" name="object 20"/>
             <p:cNvPicPr>
               <a:picLocks/>
             </p:cNvPicPr>
@@ -4643,7 +4711,7 @@
       </p:grpSp>
       <p:sp>
         <p:nvSpPr>
-          <p:cNvPr id="1048645" name="object 22"/>
+          <p:cNvPr id="1048625" name="object 22"/>
           <p:cNvSpPr txBox="1">
             <a:spLocks noGrp="1"/>
           </p:cNvSpPr>
@@ -4688,7 +4756,7 @@
   <p:cSld>
     <p:spTree>
       <p:nvGrpSpPr>
-        <p:cNvPr id="24" name=""/>
+        <p:cNvPr id="29" name=""/>
         <p:cNvGrpSpPr/>
         <p:nvPr/>
       </p:nvGrpSpPr>
@@ -4702,7 +4770,7 @@
       </p:grpSpPr>
       <p:sp>
         <p:nvSpPr>
-          <p:cNvPr id="1048607" name="object 2"/>
+          <p:cNvPr id="1048626" name="object 2"/>
           <p:cNvSpPr/>
           <p:nvPr/>
         </p:nvSpPr>
@@ -4749,7 +4817,7 @@
       </p:sp>
       <p:grpSp>
         <p:nvGrpSpPr>
-          <p:cNvPr id="25" name="object 3"/>
+          <p:cNvPr id="30" name="object 3"/>
           <p:cNvGrpSpPr/>
           <p:nvPr/>
         </p:nvGrpSpPr>
@@ -4763,7 +4831,7 @@
         </p:grpSpPr>
         <p:sp>
           <p:nvSpPr>
-            <p:cNvPr id="1048608" name="object 4"/>
+            <p:cNvPr id="1048627" name="object 4"/>
             <p:cNvSpPr/>
             <p:nvPr/>
           </p:nvSpPr>
@@ -4800,7 +4868,7 @@
         </p:sp>
         <p:sp>
           <p:nvSpPr>
-            <p:cNvPr id="1048609" name="object 5"/>
+            <p:cNvPr id="1048628" name="object 5"/>
             <p:cNvSpPr/>
             <p:nvPr/>
           </p:nvSpPr>
@@ -4837,7 +4905,7 @@
         </p:sp>
         <p:sp>
           <p:nvSpPr>
-            <p:cNvPr id="1048610" name="object 6"/>
+            <p:cNvPr id="1048629" name="object 6"/>
             <p:cNvSpPr/>
             <p:nvPr/>
           </p:nvSpPr>
@@ -4884,7 +4952,7 @@
         </p:sp>
         <p:sp>
           <p:nvSpPr>
-            <p:cNvPr id="1048611" name="object 7"/>
+            <p:cNvPr id="1048630" name="object 7"/>
             <p:cNvSpPr/>
             <p:nvPr/>
           </p:nvSpPr>
@@ -4931,7 +4999,7 @@
         </p:sp>
         <p:sp>
           <p:nvSpPr>
-            <p:cNvPr id="1048612" name="object 8"/>
+            <p:cNvPr id="1048631" name="object 8"/>
             <p:cNvSpPr/>
             <p:nvPr/>
           </p:nvSpPr>
@@ -4975,7 +5043,7 @@
         </p:sp>
         <p:sp>
           <p:nvSpPr>
-            <p:cNvPr id="1048613" name="object 9"/>
+            <p:cNvPr id="1048632" name="object 9"/>
             <p:cNvSpPr/>
             <p:nvPr/>
           </p:nvSpPr>
@@ -5022,7 +5090,7 @@
         </p:sp>
         <p:sp>
           <p:nvSpPr>
-            <p:cNvPr id="1048614" name="object 10"/>
+            <p:cNvPr id="1048633" name="object 10"/>
             <p:cNvSpPr/>
             <p:nvPr/>
           </p:nvSpPr>
@@ -5069,7 +5137,7 @@
         </p:sp>
         <p:sp>
           <p:nvSpPr>
-            <p:cNvPr id="1048615" name="object 11"/>
+            <p:cNvPr id="1048634" name="object 11"/>
             <p:cNvSpPr/>
             <p:nvPr/>
           </p:nvSpPr>
@@ -5116,7 +5184,7 @@
         </p:sp>
         <p:sp>
           <p:nvSpPr>
-            <p:cNvPr id="1048616" name="object 12"/>
+            <p:cNvPr id="1048635" name="object 12"/>
             <p:cNvSpPr/>
             <p:nvPr/>
           </p:nvSpPr>
@@ -5161,7 +5229,7 @@
       </p:grpSp>
       <p:sp>
         <p:nvSpPr>
-          <p:cNvPr id="1048617" name="object 13"/>
+          <p:cNvPr id="1048636" name="object 13"/>
           <p:cNvSpPr/>
           <p:nvPr/>
         </p:nvSpPr>
@@ -5205,7 +5273,7 @@
       </p:sp>
       <p:sp>
         <p:nvSpPr>
-          <p:cNvPr id="1048618" name="object 14"/>
+          <p:cNvPr id="1048637" name="object 14"/>
           <p:cNvSpPr txBox="1"/>
           <p:nvPr/>
         </p:nvSpPr>
@@ -5375,7 +5443,7 @@
       </p:sp>
       <p:sp>
         <p:nvSpPr>
-          <p:cNvPr id="1048619" name="object 15"/>
+          <p:cNvPr id="1048638" name="object 15"/>
           <p:cNvSpPr/>
           <p:nvPr/>
         </p:nvSpPr>
@@ -5480,7 +5548,7 @@
       </p:sp>
       <p:sp>
         <p:nvSpPr>
-          <p:cNvPr id="1048620" name="object 16"/>
+          <p:cNvPr id="1048639" name="object 16"/>
           <p:cNvSpPr/>
           <p:nvPr/>
         </p:nvSpPr>
@@ -5645,7 +5713,7 @@
       </p:sp>
       <p:pic>
         <p:nvPicPr>
-          <p:cNvPr id="2097156" name="object 17"/>
+          <p:cNvPr id="2097155" name="object 17"/>
           <p:cNvPicPr>
             <a:picLocks/>
           </p:cNvPicPr>
@@ -5667,7 +5735,7 @@
       </p:pic>
       <p:grpSp>
         <p:nvGrpSpPr>
-          <p:cNvPr id="26" name="object 18"/>
+          <p:cNvPr id="31" name="object 18"/>
           <p:cNvGrpSpPr/>
           <p:nvPr/>
         </p:nvGrpSpPr>
@@ -5681,7 +5749,7 @@
         </p:grpSpPr>
         <p:pic>
           <p:nvPicPr>
-            <p:cNvPr id="2097157" name="object 19"/>
+            <p:cNvPr id="2097156" name="object 19"/>
             <p:cNvPicPr>
               <a:picLocks/>
             </p:cNvPicPr>
@@ -5703,7 +5771,7 @@
         </p:pic>
         <p:pic>
           <p:nvPicPr>
-            <p:cNvPr id="2097158" name="object 20"/>
+            <p:cNvPr id="2097157" name="object 20"/>
             <p:cNvPicPr>
               <a:picLocks/>
             </p:cNvPicPr>
@@ -5726,7 +5794,7 @@
       </p:grpSp>
       <p:sp>
         <p:nvSpPr>
-          <p:cNvPr id="1048621" name="object 21"/>
+          <p:cNvPr id="1048640" name="object 21"/>
           <p:cNvSpPr txBox="1">
             <a:spLocks noGrp="1"/>
           </p:cNvSpPr>
@@ -5779,7 +5847,7 @@
       </p:sp>
       <p:sp>
         <p:nvSpPr>
-          <p:cNvPr id="1048622" name="object 22"/>
+          <p:cNvPr id="1048641" name="object 22"/>
           <p:cNvSpPr txBox="1">
             <a:spLocks noGrp="1"/>
           </p:cNvSpPr>
@@ -5813,14 +5881,14 @@
       </p:sp>
       <p:sp>
         <p:nvSpPr>
-          <p:cNvPr id="1048623" name="TextBox 22"/>
+          <p:cNvPr id="1048642" name="TextBox 22"/>
           <p:cNvSpPr txBox="1"/>
           <p:nvPr/>
         </p:nvSpPr>
         <p:spPr>
           <a:xfrm>
-            <a:off x="2509807" y="1041533"/>
-            <a:ext cx="5029200" cy="4701541"/>
+            <a:off x="3905250" y="732471"/>
+            <a:ext cx="5029200" cy="6301740"/>
           </a:xfrm>
           <a:prstGeom prst="rect"/>
           <a:noFill/>
@@ -5831,7 +5899,7 @@
           </a:bodyPr>
           <a:p>
             <a:pPr algn="l"/>
-            <a:endParaRPr b="0" dirty="0" sz="2800" i="0" lang="en-US">
+            <a:endParaRPr b="0" dirty="0" sz="3200" i="0" lang="en-US">
               <a:solidFill>
                 <a:srgbClr val="0D0D0D"/>
               </a:solidFill>
@@ -5846,7 +5914,7 @@
               <a:buAutoNum type="arabicPeriod"/>
             </a:pPr>
             <a:r>
-              <a:rPr b="0" dirty="0" sz="2800" i="0" lang="en-US">
+              <a:rPr b="0" dirty="0" sz="3200" i="0" lang="en-US">
                 <a:solidFill>
                   <a:srgbClr val="0D0D0D"/>
                 </a:solidFill>
@@ -5856,6 +5924,7 @@
               </a:rPr>
               <a:t>Problem Statement</a:t>
             </a:r>
+            <a:endParaRPr sz="3600"/>
           </a:p>
           <a:p>
             <a:pPr algn="l">
@@ -5863,7 +5932,7 @@
               <a:buAutoNum type="arabicPeriod"/>
             </a:pPr>
             <a:r>
-              <a:rPr b="0" dirty="0" sz="2800" i="0" lang="en-US">
+              <a:rPr b="0" dirty="0" sz="3200" i="0" lang="en-US">
                 <a:solidFill>
                   <a:srgbClr val="0D0D0D"/>
                 </a:solidFill>
@@ -5873,6 +5942,7 @@
               </a:rPr>
               <a:t>Project Overview</a:t>
             </a:r>
+            <a:endParaRPr sz="3600"/>
           </a:p>
           <a:p>
             <a:pPr algn="l">
@@ -5880,7 +5950,7 @@
               <a:buAutoNum type="arabicPeriod"/>
             </a:pPr>
             <a:r>
-              <a:rPr b="0" dirty="0" sz="2800" i="0" lang="en-US">
+              <a:rPr b="0" dirty="0" sz="3200" i="0" lang="en-US">
                 <a:solidFill>
                   <a:srgbClr val="0D0D0D"/>
                 </a:solidFill>
@@ -5890,6 +5960,7 @@
               </a:rPr>
               <a:t>End Users</a:t>
             </a:r>
+            <a:endParaRPr sz="3600"/>
           </a:p>
           <a:p>
             <a:pPr algn="l">
@@ -5897,7 +5968,7 @@
               <a:buAutoNum type="arabicPeriod"/>
             </a:pPr>
             <a:r>
-              <a:rPr dirty="0" sz="2800" lang="en-US">
+              <a:rPr dirty="0" sz="3200" lang="en-US">
                 <a:solidFill>
                   <a:srgbClr val="0D0D0D"/>
                 </a:solidFill>
@@ -5906,7 +5977,7 @@
               </a:rPr>
               <a:t>Tools and Technologies</a:t>
             </a:r>
-            <a:endParaRPr b="0" dirty="0" sz="2800" i="0" lang="en-US">
+            <a:endParaRPr b="0" dirty="0" sz="3600" i="0" lang="en-US">
               <a:solidFill>
                 <a:srgbClr val="0D0D0D"/>
               </a:solidFill>
@@ -5921,7 +5992,7 @@
               <a:buAutoNum type="arabicPeriod"/>
             </a:pPr>
             <a:r>
-              <a:rPr b="0" dirty="0" sz="2800" i="0" lang="en-US">
+              <a:rPr b="0" dirty="0" sz="3200" i="0" lang="en-US">
                 <a:solidFill>
                   <a:srgbClr val="0D0D0D"/>
                 </a:solidFill>
@@ -5931,6 +6002,7 @@
               </a:rPr>
               <a:t>Portfolio design and Layout</a:t>
             </a:r>
+            <a:endParaRPr sz="3600"/>
           </a:p>
           <a:p>
             <a:pPr algn="l">
@@ -5938,7 +6010,7 @@
               <a:buAutoNum type="arabicPeriod"/>
             </a:pPr>
             <a:r>
-              <a:rPr dirty="0" sz="2800" lang="en-US">
+              <a:rPr dirty="0" sz="3200" lang="en-US">
                 <a:solidFill>
                   <a:srgbClr val="0D0D0D"/>
                 </a:solidFill>
@@ -5947,7 +6019,7 @@
               </a:rPr>
               <a:t>Features and Functionality</a:t>
             </a:r>
-            <a:endParaRPr b="0" dirty="0" sz="2800" i="0" lang="en-US">
+            <a:endParaRPr b="0" dirty="0" sz="3600" i="0" lang="en-US">
               <a:solidFill>
                 <a:srgbClr val="0D0D0D"/>
               </a:solidFill>
@@ -5962,7 +6034,7 @@
               <a:buAutoNum type="arabicPeriod"/>
             </a:pPr>
             <a:r>
-              <a:rPr b="0" dirty="0" sz="2800" i="0" lang="en-US">
+              <a:rPr b="0" dirty="0" sz="3200" i="0" lang="en-US">
                 <a:solidFill>
                   <a:srgbClr val="0D0D0D"/>
                 </a:solidFill>
@@ -5973,7 +6045,7 @@
               <a:t>Results and </a:t>
             </a:r>
             <a:r>
-              <a:rPr dirty="0" sz="2800" lang="en-US">
+              <a:rPr dirty="0" sz="3200" lang="en-US">
                 <a:solidFill>
                   <a:srgbClr val="0D0D0D"/>
                 </a:solidFill>
@@ -5982,7 +6054,7 @@
               </a:rPr>
               <a:t>Screenshots</a:t>
             </a:r>
-            <a:endParaRPr b="0" dirty="0" sz="2800" i="0" lang="en-US">
+            <a:endParaRPr b="0" dirty="0" sz="3600" i="0" lang="en-US">
               <a:solidFill>
                 <a:srgbClr val="0D0D0D"/>
               </a:solidFill>
@@ -5997,7 +6069,7 @@
               <a:buAutoNum type="arabicPeriod"/>
             </a:pPr>
             <a:r>
-              <a:rPr b="0" dirty="0" sz="2800" i="0" lang="en-US">
+              <a:rPr b="0" dirty="0" sz="3200" i="0" lang="en-US">
                 <a:solidFill>
                   <a:srgbClr val="0D0D0D"/>
                 </a:solidFill>
@@ -6007,6 +6079,7 @@
               </a:rPr>
               <a:t>Conclusion</a:t>
             </a:r>
+            <a:endParaRPr sz="3600"/>
           </a:p>
           <a:p>
             <a:pPr algn="l">
@@ -6014,7 +6087,7 @@
               <a:buAutoNum type="arabicPeriod"/>
             </a:pPr>
             <a:r>
-              <a:rPr dirty="0" sz="2800" lang="en-US" err="1">
+              <a:rPr dirty="0" sz="3200" lang="en-US" err="1">
                 <a:solidFill>
                   <a:srgbClr val="0D0D0D"/>
                 </a:solidFill>
@@ -6024,7 +6097,7 @@
               <a:t>Github</a:t>
             </a:r>
             <a:r>
-              <a:rPr dirty="0" sz="2800" lang="en-US">
+              <a:rPr dirty="0" sz="3200" lang="en-US">
                 <a:solidFill>
                   <a:srgbClr val="0D0D0D"/>
                 </a:solidFill>
@@ -6033,7 +6106,7 @@
               </a:rPr>
               <a:t> Link</a:t>
             </a:r>
-            <a:endParaRPr b="0" dirty="0" sz="2800" i="0" lang="en-US">
+            <a:endParaRPr b="0" dirty="0" sz="3600" i="0" lang="en-US">
               <a:solidFill>
                 <a:srgbClr val="0D0D0D"/>
               </a:solidFill>
@@ -6063,7 +6136,7 @@
   <p:cSld>
     <p:spTree>
       <p:nvGrpSpPr>
-        <p:cNvPr id="19" name=""/>
+        <p:cNvPr id="32" name=""/>
         <p:cNvGrpSpPr/>
         <p:nvPr/>
       </p:nvGrpSpPr>
@@ -6077,13 +6150,13 @@
       </p:grpSpPr>
       <p:grpSp>
         <p:nvGrpSpPr>
-          <p:cNvPr id="20" name="object 2"/>
+          <p:cNvPr id="33" name="object 2"/>
           <p:cNvGrpSpPr/>
           <p:nvPr/>
         </p:nvGrpSpPr>
         <p:grpSpPr>
           <a:xfrm>
-            <a:off x="-547053" y="2832294"/>
+            <a:off x="-750912" y="3209925"/>
             <a:ext cx="2762250" cy="3257550"/>
             <a:chOff x="7991475" y="2933700"/>
             <a:chExt cx="2762250" cy="3257550"/>
@@ -6091,7 +6164,7 @@
         </p:grpSpPr>
         <p:sp>
           <p:nvSpPr>
-            <p:cNvPr id="1048595" name="object 3"/>
+            <p:cNvPr id="1048643" name="object 3"/>
             <p:cNvSpPr/>
             <p:nvPr/>
           </p:nvSpPr>
@@ -6136,7 +6209,7 @@
         </p:sp>
         <p:sp>
           <p:nvSpPr>
-            <p:cNvPr id="1048596" name="object 4"/>
+            <p:cNvPr id="1048644" name="object 4"/>
             <p:cNvSpPr/>
             <p:nvPr/>
           </p:nvSpPr>
@@ -6181,7 +6254,7 @@
         </p:sp>
         <p:pic>
           <p:nvPicPr>
-            <p:cNvPr id="2097152" name="object 5"/>
+            <p:cNvPr id="2097158" name="object 5"/>
             <p:cNvPicPr>
               <a:picLocks/>
             </p:cNvPicPr>
@@ -6204,7 +6277,7 @@
       </p:grpSp>
       <p:sp>
         <p:nvSpPr>
-          <p:cNvPr id="1048597" name="object 6"/>
+          <p:cNvPr id="1048645" name="object 6"/>
           <p:cNvSpPr/>
           <p:nvPr/>
         </p:nvSpPr>
@@ -6249,7 +6322,7 @@
       </p:sp>
       <p:sp>
         <p:nvSpPr>
-          <p:cNvPr id="1048598" name="object 7"/>
+          <p:cNvPr id="1048646" name="object 7"/>
           <p:cNvSpPr txBox="1">
             <a:spLocks noGrp="1"/>
           </p:cNvSpPr>
@@ -6258,9 +6331,9 @@
           </p:nvPr>
         </p:nvSpPr>
         <p:spPr>
-          <a:xfrm>
-            <a:off x="834072" y="575055"/>
-            <a:ext cx="5636895" cy="1261110"/>
+          <a:xfrm rot="14295">
+            <a:off x="279392" y="197070"/>
+            <a:ext cx="5460589" cy="1261110"/>
           </a:xfrm>
           <a:prstGeom prst="rect"/>
         </p:spPr>
@@ -6338,7 +6411,7 @@
       </p:sp>
       <p:pic>
         <p:nvPicPr>
-          <p:cNvPr id="2097153" name="object 8"/>
+          <p:cNvPr id="2097159" name="object 8"/>
           <p:cNvPicPr>
             <a:picLocks/>
           </p:cNvPicPr>
@@ -6360,7 +6433,7 @@
       </p:pic>
       <p:sp>
         <p:nvSpPr>
-          <p:cNvPr id="1048599" name="object 10"/>
+          <p:cNvPr id="1048647" name="object 10"/>
           <p:cNvSpPr txBox="1">
             <a:spLocks noGrp="1"/>
           </p:cNvSpPr>
@@ -6394,14 +6467,14 @@
       </p:sp>
       <p:sp>
         <p:nvSpPr>
-          <p:cNvPr id="1048600" name=""/>
+          <p:cNvPr id="1048648" name=""/>
           <p:cNvSpPr txBox="1"/>
           <p:nvPr/>
         </p:nvSpPr>
         <p:spPr>
-          <a:xfrm rot="21573014">
-            <a:off x="4849495" y="1231316"/>
-            <a:ext cx="6602157" cy="13502640"/>
+          <a:xfrm rot="21600000">
+            <a:off x="1457999" y="887730"/>
+            <a:ext cx="8865342" cy="10568940"/>
           </a:xfrm>
           <a:prstGeom prst="rect"/>
         </p:spPr>
@@ -6416,11 +6489,41 @@
                   <a:srgbClr val="000000"/>
                 </a:solidFill>
               </a:rPr>
-              <a:t>Here’s a problem statement in 5 lines for creating a website:
+              <a:t>Here’s a problem statement in for creating a website:
 1. Many businesses and individuals struggle to establish a strong online presence.
-2. Without a website, they cannot effectively showcase their products, services, or ideas.
+</a:t>
+            </a:r>
+            <a:endParaRPr sz="2800" lang="en-US">
+              <a:solidFill>
+                <a:srgbClr val="000000"/>
+              </a:solidFill>
+            </a:endParaRPr>
+          </a:p>
+          <a:p>
+            <a:r>
+              <a:rPr sz="2800" lang="en-US">
+                <a:solidFill>
+                  <a:srgbClr val="000000"/>
+                </a:solidFill>
+              </a:rPr>
+              <a:t>2. Without a website, they cannot effectively showcase their products, services, or ideas.
 3. Customers face difficulty finding reliable information in one place.
-4. Existing solutions are often expensive or too complex for beginners.
+</a:t>
+            </a:r>
+            <a:endParaRPr sz="2800" lang="en-US">
+              <a:solidFill>
+                <a:srgbClr val="000000"/>
+              </a:solidFill>
+            </a:endParaRPr>
+          </a:p>
+          <a:p>
+            <a:r>
+              <a:rPr sz="2800" lang="en-US">
+                <a:solidFill>
+                  <a:srgbClr val="000000"/>
+                </a:solidFill>
+              </a:rPr>
+              <a:t>4. Existing solutions are often expensive or too complex for beginners.
 5. A simple, user-friendly website can solve these challenges.
 Do you want me to write this in a formal project/problem statement format (like for academics), or in a short creative version for pitching?
 </a:t>
@@ -6446,7 +6549,7 @@
   <p:cSld>
     <p:spTree>
       <p:nvGrpSpPr>
-        <p:cNvPr id="22" name=""/>
+        <p:cNvPr id="34" name=""/>
         <p:cNvGrpSpPr/>
         <p:nvPr/>
       </p:nvGrpSpPr>
@@ -6460,13 +6563,13 @@
       </p:grpSpPr>
       <p:grpSp>
         <p:nvGrpSpPr>
-          <p:cNvPr id="23" name="object 2"/>
+          <p:cNvPr id="35" name="object 2"/>
           <p:cNvGrpSpPr/>
           <p:nvPr/>
         </p:nvGrpSpPr>
         <p:grpSpPr>
           <a:xfrm>
-            <a:off x="10059720" y="-47625"/>
+            <a:off x="10141962" y="-755968"/>
             <a:ext cx="2725170" cy="3810000"/>
             <a:chOff x="8658225" y="2647950"/>
             <a:chExt cx="3533775" cy="3810000"/>
@@ -6474,7 +6577,7 @@
         </p:grpSpPr>
         <p:sp>
           <p:nvSpPr>
-            <p:cNvPr id="1048601" name="object 3"/>
+            <p:cNvPr id="1048649" name="object 3"/>
             <p:cNvSpPr/>
             <p:nvPr/>
           </p:nvSpPr>
@@ -6519,7 +6622,7 @@
         </p:sp>
         <p:sp>
           <p:nvSpPr>
-            <p:cNvPr id="1048602" name="object 4"/>
+            <p:cNvPr id="1048650" name="object 4"/>
             <p:cNvSpPr/>
             <p:nvPr/>
           </p:nvSpPr>
@@ -6564,7 +6667,7 @@
         </p:sp>
         <p:pic>
           <p:nvPicPr>
-            <p:cNvPr id="2097154" name="object 5"/>
+            <p:cNvPr id="2097160" name="object 5"/>
             <p:cNvPicPr>
               <a:picLocks/>
             </p:cNvPicPr>
@@ -6587,7 +6690,7 @@
       </p:grpSp>
       <p:sp>
         <p:nvSpPr>
-          <p:cNvPr id="1048603" name="object 6"/>
+          <p:cNvPr id="1048651" name="object 6"/>
           <p:cNvSpPr/>
           <p:nvPr/>
         </p:nvSpPr>
@@ -6632,7 +6735,7 @@
       </p:sp>
       <p:sp>
         <p:nvSpPr>
-          <p:cNvPr id="1048604" name="object 7"/>
+          <p:cNvPr id="1048652" name="object 7"/>
           <p:cNvSpPr txBox="1">
             <a:spLocks noGrp="1"/>
           </p:cNvSpPr>
@@ -6642,8 +6745,8 @@
         </p:nvSpPr>
         <p:spPr>
           <a:xfrm>
-            <a:off x="739775" y="829627"/>
-            <a:ext cx="5263515" cy="638810"/>
+            <a:off x="313051" y="510221"/>
+            <a:ext cx="5446318" cy="638810"/>
           </a:xfrm>
           <a:prstGeom prst="rect"/>
         </p:spPr>
@@ -6677,7 +6780,7 @@
       </p:sp>
       <p:pic>
         <p:nvPicPr>
-          <p:cNvPr id="2097155" name="object 8"/>
+          <p:cNvPr id="2097161" name="object 8"/>
           <p:cNvPicPr>
             <a:picLocks/>
           </p:cNvPicPr>
@@ -6699,7 +6802,7 @@
       </p:pic>
       <p:sp>
         <p:nvSpPr>
-          <p:cNvPr id="1048605" name="object 10"/>
+          <p:cNvPr id="1048653" name="object 10"/>
           <p:cNvSpPr txBox="1">
             <a:spLocks noGrp="1"/>
           </p:cNvSpPr>
@@ -6733,14 +6836,14 @@
       </p:sp>
       <p:sp>
         <p:nvSpPr>
-          <p:cNvPr id="1048606" name=""/>
+          <p:cNvPr id="1048654" name=""/>
           <p:cNvSpPr txBox="1"/>
           <p:nvPr/>
         </p:nvSpPr>
         <p:spPr>
           <a:xfrm>
-            <a:off x="0" y="1468437"/>
-            <a:ext cx="11565897" cy="9730739"/>
+            <a:off x="313051" y="-423856"/>
+            <a:ext cx="11565897" cy="9311639"/>
           </a:xfrm>
           <a:prstGeom prst="rect"/>
         </p:spPr>
@@ -6755,8 +6858,7 @@
                   <a:srgbClr val="000000"/>
                 </a:solidFill>
               </a:rPr>
-              <a:t>Here’s a sample Project Overview for a website creation project (simple and clear, 5–6 lines):
----
+              <a:t>
 Project Overview
 This project focuses on developing a user-friendly website that helps individuals or businesses build a strong online presence. The website will serve as a central platform to showcase products, services, or personal portfolios. It will include features like responsive design, easy navigation, and accessibility across devices. The goal is to make the platform simple enough for beginners yet scalable for growing needs. By providing an affordable and effective solution, the project aims to bridge the gap between users and their audiences.
 ---
@@ -6784,7 +6886,7 @@
   <p:cSld>
     <p:spTree>
       <p:nvGrpSpPr>
-        <p:cNvPr id="27" name=""/>
+        <p:cNvPr id="36" name=""/>
         <p:cNvGrpSpPr/>
         <p:nvPr/>
       </p:nvGrpSpPr>
@@ -6798,7 +6900,7 @@
       </p:grpSpPr>
       <p:sp>
         <p:nvSpPr>
-          <p:cNvPr id="1048624" name="object 2"/>
+          <p:cNvPr id="1048655" name="object 2"/>
           <p:cNvSpPr/>
           <p:nvPr/>
         </p:nvSpPr>
@@ -6843,7 +6945,7 @@
       </p:sp>
       <p:sp>
         <p:nvSpPr>
-          <p:cNvPr id="1048625" name="object 3"/>
+          <p:cNvPr id="1048656" name="object 3"/>
           <p:cNvSpPr/>
           <p:nvPr/>
         </p:nvSpPr>
@@ -6888,7 +6990,7 @@
       </p:sp>
       <p:sp>
         <p:nvSpPr>
-          <p:cNvPr id="1048626" name="object 4"/>
+          <p:cNvPr id="1048657" name="object 4"/>
           <p:cNvSpPr/>
           <p:nvPr/>
         </p:nvSpPr>
@@ -6933,7 +7035,7 @@
       </p:sp>
       <p:sp>
         <p:nvSpPr>
-          <p:cNvPr id="1048627" name="object 5"/>
+          <p:cNvPr id="1048658" name="object 5"/>
           <p:cNvSpPr txBox="1">
             <a:spLocks noGrp="1"/>
           </p:cNvSpPr>
@@ -6943,8 +7045,8 @@
         </p:nvSpPr>
         <p:spPr>
           <a:xfrm>
-            <a:off x="699452" y="891793"/>
-            <a:ext cx="5014595" cy="518159"/>
+            <a:off x="723900" y="254494"/>
+            <a:ext cx="5037534" cy="499110"/>
           </a:xfrm>
           <a:prstGeom prst="rect"/>
         </p:spPr>
@@ -7047,7 +7149,7 @@
       </p:sp>
       <p:pic>
         <p:nvPicPr>
-          <p:cNvPr id="2097159" name="object 6"/>
+          <p:cNvPr id="2097162" name="object 6"/>
           <p:cNvPicPr>
             <a:picLocks/>
           </p:cNvPicPr>
@@ -7069,7 +7171,7 @@
       </p:pic>
       <p:sp>
         <p:nvSpPr>
-          <p:cNvPr id="1048628" name="object 8"/>
+          <p:cNvPr id="1048659" name="object 8"/>
           <p:cNvSpPr txBox="1">
             <a:spLocks noGrp="1"/>
           </p:cNvSpPr>
@@ -7103,13 +7205,13 @@
       </p:sp>
       <p:sp>
         <p:nvSpPr>
-          <p:cNvPr id="1048629" name=""/>
+          <p:cNvPr id="1048660" name=""/>
           <p:cNvSpPr txBox="1"/>
           <p:nvPr/>
         </p:nvSpPr>
         <p:spPr>
           <a:xfrm>
-            <a:off x="1063648" y="1363981"/>
+            <a:off x="895673" y="916304"/>
             <a:ext cx="9731521" cy="8892540"/>
           </a:xfrm>
           <a:prstGeom prst="rect"/>
@@ -7157,7 +7259,7 @@
   <p:cSld>
     <p:spTree>
       <p:nvGrpSpPr>
-        <p:cNvPr id="31" name=""/>
+        <p:cNvPr id="37" name=""/>
         <p:cNvGrpSpPr/>
         <p:nvPr/>
       </p:nvGrpSpPr>
@@ -7171,7 +7273,7 @@
       </p:grpSpPr>
       <p:pic>
         <p:nvPicPr>
-          <p:cNvPr id="2097162" name="object 2"/>
+          <p:cNvPr id="2097163" name="object 2"/>
           <p:cNvPicPr>
             <a:picLocks/>
           </p:cNvPicPr>
@@ -7185,15 +7287,15 @@
         </p:blipFill>
         <p:spPr>
           <a:xfrm>
-            <a:off x="10005631" y="-492759"/>
-            <a:ext cx="2695574" cy="3248025"/>
+            <a:off x="10372362" y="1695450"/>
+            <a:ext cx="2270949" cy="2896021"/>
           </a:xfrm>
           <a:prstGeom prst="rect"/>
         </p:spPr>
       </p:pic>
       <p:sp>
         <p:nvSpPr>
-          <p:cNvPr id="1048646" name="object 3"/>
+          <p:cNvPr id="1048661" name="object 3"/>
           <p:cNvSpPr/>
           <p:nvPr/>
         </p:nvSpPr>
@@ -7238,7 +7340,7 @@
       </p:sp>
       <p:sp>
         <p:nvSpPr>
-          <p:cNvPr id="1048647" name="object 4"/>
+          <p:cNvPr id="1048662" name="object 4"/>
           <p:cNvSpPr/>
           <p:nvPr/>
         </p:nvSpPr>
@@ -7283,7 +7385,7 @@
       </p:sp>
       <p:sp>
         <p:nvSpPr>
-          <p:cNvPr id="1048648" name="object 5"/>
+          <p:cNvPr id="1048663" name="object 5"/>
           <p:cNvSpPr/>
           <p:nvPr/>
         </p:nvSpPr>
@@ -7328,7 +7430,7 @@
       </p:sp>
       <p:sp>
         <p:nvSpPr>
-          <p:cNvPr id="1048649" name="object 6"/>
+          <p:cNvPr id="1048664" name="object 6"/>
           <p:cNvSpPr txBox="1">
             <a:spLocks noGrp="1"/>
           </p:cNvSpPr>
@@ -7338,7 +7440,7 @@
         </p:nvSpPr>
         <p:spPr>
           <a:xfrm>
-            <a:off x="558165" y="857885"/>
+            <a:off x="242506" y="327976"/>
             <a:ext cx="9763125" cy="546736"/>
           </a:xfrm>
           <a:prstGeom prst="rect"/>
@@ -7366,7 +7468,7 @@
       </p:sp>
       <p:pic>
         <p:nvPicPr>
-          <p:cNvPr id="2097163" name="object 7"/>
+          <p:cNvPr id="2097164" name="object 7"/>
           <p:cNvPicPr>
             <a:picLocks/>
           </p:cNvPicPr>
@@ -7388,7 +7490,7 @@
       </p:pic>
       <p:sp>
         <p:nvSpPr>
-          <p:cNvPr id="1048650" name="object 9"/>
+          <p:cNvPr id="1048665" name="object 9"/>
           <p:cNvSpPr txBox="1">
             <a:spLocks noGrp="1"/>
           </p:cNvSpPr>
@@ -7422,13 +7524,13 @@
       </p:sp>
       <p:sp>
         <p:nvSpPr>
-          <p:cNvPr id="1048651" name=""/>
+          <p:cNvPr id="1048666" name=""/>
           <p:cNvSpPr txBox="1"/>
           <p:nvPr/>
         </p:nvSpPr>
         <p:spPr>
-          <a:xfrm rot="21544438">
-            <a:off x="214066" y="1818400"/>
+          <a:xfrm rot="21583162">
+            <a:off x="279586" y="912181"/>
             <a:ext cx="15337708" cy="15179039"/>
           </a:xfrm>
           <a:prstGeom prst="rect"/>
@@ -7445,8 +7547,38 @@
                 </a:solidFill>
               </a:rPr>
               <a:t>Here’s a clear list of Tools and Techniques you can mention for a website creation project:
-Tools
-HTML, CSS, JavaScript → For front-end development
+</a:t>
+            </a:r>
+            <a:endParaRPr sz="2800" lang="en-US">
+              <a:solidFill>
+                <a:srgbClr val="000000"/>
+              </a:solidFill>
+            </a:endParaRPr>
+          </a:p>
+          <a:p>
+            <a:r>
+              <a:rPr sz="2800" lang="en-US">
+                <a:solidFill>
+                  <a:srgbClr val="000000"/>
+                </a:solidFill>
+              </a:rPr>
+              <a:t>Tools
+</a:t>
+            </a:r>
+            <a:endParaRPr sz="2800" lang="en-US">
+              <a:solidFill>
+                <a:srgbClr val="000000"/>
+              </a:solidFill>
+            </a:endParaRPr>
+          </a:p>
+          <a:p>
+            <a:r>
+              <a:rPr sz="2800" lang="en-US">
+                <a:solidFill>
+                  <a:srgbClr val="000000"/>
+                </a:solidFill>
+              </a:rPr>
+              <a:t>HTML, CSS, JavaScript → For front-end development
 Bootstrap / Tailwind CSS → For responsive design
 PHP / Node.js / Python (Django/Flask) → For back-end development
 MySQL / MongoDB → For database management
@@ -7483,7 +7615,7 @@
   <p:cSld>
     <p:spTree>
       <p:nvGrpSpPr>
-        <p:cNvPr id="37" name=""/>
+        <p:cNvPr id="38" name=""/>
         <p:cNvGrpSpPr/>
         <p:nvPr/>
       </p:nvGrpSpPr>
@@ -7613,7 +7745,7 @@
         </p:nvSpPr>
         <p:spPr>
           <a:xfrm>
-            <a:off x="739775" y="291147"/>
+            <a:off x="370580" y="210631"/>
             <a:ext cx="8794750" cy="629018"/>
           </a:xfrm>
           <a:prstGeom prst="rect"/>
@@ -7697,9 +7829,9 @@
           <p:nvPr/>
         </p:nvSpPr>
         <p:spPr>
-          <a:xfrm>
-            <a:off x="739775" y="-2292954"/>
-            <a:ext cx="12308248" cy="28171146"/>
+          <a:xfrm rot="21573638">
+            <a:off x="473589" y="886443"/>
+            <a:ext cx="12308248" cy="26913846"/>
           </a:xfrm>
           <a:prstGeom prst="rect"/>
         </p:spPr>
@@ -7714,13 +7846,57 @@
                   <a:srgbClr val="000000"/>
                 </a:solidFill>
               </a:rPr>
-              <a:t>When it comes to portfolio design and layout, the goal is to create something clean, professional, and easy to navigate while reflecting your personality or brand. Here are some structured ideas you can use:
----
+              <a:t>When it comes to portfolio design and layout, the goal is to create something clean, professional, and easy to navigate while reflecting your personality or brand. Here are some structured ideas you can use:</a:t>
+            </a:r>
+            <a:endParaRPr sz="3200" lang="en-US">
+              <a:solidFill>
+                <a:srgbClr val="000000"/>
+              </a:solidFill>
+            </a:endParaRPr>
+          </a:p>
+          <a:p>
+            <a:r>
+              <a:rPr sz="2800" lang="en-US">
+                <a:solidFill>
+                  <a:srgbClr val="000000"/>
+                </a:solidFill>
+              </a:rPr>
+              <a:t>
 🔹 Key Elements of a Portfolio
 1. Cover Page / Introduction
 Your name, title (e.g., "UI/UX Designer", "Software Developer", "Content Creator")
-A tagline or short professional statement
-Clean visual or brand logo
+</a:t>
+            </a:r>
+            <a:endParaRPr sz="2800" lang="en-US">
+              <a:solidFill>
+                <a:srgbClr val="000000"/>
+              </a:solidFill>
+            </a:endParaRPr>
+          </a:p>
+          <a:p>
+            <a:r>
+              <a:rPr sz="2800" lang="en-US">
+                <a:solidFill>
+                  <a:srgbClr val="000000"/>
+                </a:solidFill>
+              </a:rPr>
+              <a:t>A tagline or short professional statement
+</a:t>
+            </a:r>
+            <a:endParaRPr sz="2800" lang="en-US">
+              <a:solidFill>
+                <a:srgbClr val="000000"/>
+              </a:solidFill>
+            </a:endParaRPr>
+          </a:p>
+          <a:p>
+            <a:r>
+              <a:rPr sz="2800" lang="en-US">
+                <a:solidFill>
+                  <a:srgbClr val="000000"/>
+                </a:solidFill>
+              </a:rPr>
+              <a:t>Clean visual or brand logo
 2. About Me
 Short bio (who you are, your background, expertise)
 Skills overview (with icons or a skill bar)
@@ -7762,7 +7938,7 @@
   <p:cSld>
     <p:spTree>
       <p:nvGrpSpPr>
-        <p:cNvPr id="38" name=""/>
+        <p:cNvPr id="39" name=""/>
         <p:cNvGrpSpPr/>
         <p:nvPr/>
       </p:nvGrpSpPr>
@@ -7786,7 +7962,7 @@
         </p:nvSpPr>
         <p:spPr>
           <a:xfrm>
-            <a:off x="755332" y="385444"/>
+            <a:off x="211880" y="241996"/>
             <a:ext cx="10681335" cy="723901"/>
           </a:xfrm>
         </p:spPr>
@@ -7808,8 +7984,8 @@
         </p:nvSpPr>
         <p:spPr>
           <a:xfrm rot="21600000">
-            <a:off x="211880" y="1109345"/>
-            <a:ext cx="13918496" cy="9730739"/>
+            <a:off x="211880" y="603945"/>
+            <a:ext cx="13918496" cy="8054341"/>
           </a:xfrm>
           <a:prstGeom prst="rect"/>
         </p:spPr>
@@ -7824,9 +8000,24 @@
                   <a:srgbClr val="000000"/>
                 </a:solidFill>
               </a:rPr>
-              <a:t>Here’s a simple 5-line version 👇
+              <a:t>
 Features and Functionality of a Portfolio:
-1. Provides a clear structure with About, Projects, Skills, and Contact sections.
+</a:t>
+            </a:r>
+            <a:endParaRPr sz="2400" lang="en-US">
+              <a:solidFill>
+                <a:srgbClr val="000000"/>
+              </a:solidFill>
+            </a:endParaRPr>
+          </a:p>
+          <a:p>
+            <a:r>
+              <a:rPr sz="2800" lang="en-US">
+                <a:solidFill>
+                  <a:srgbClr val="000000"/>
+                </a:solidFill>
+              </a:rPr>
+              <a:t>1. Provides a clear structure with About, Projects, Skills, and Contact sections.
 2. Showcases best work with visuals, descriptions, and outcomes.
 3. Ensures easy navigation and professional, consistent design.
 4. Supports interactivity (links, animations, responsive design).
